--- a/Presentations/11_03_2020/Training a Multilayer Perceptron with Stochastic Gradient Descent.pptx
+++ b/Presentations/11_03_2020/Training a Multilayer Perceptron with Stochastic Gradient Descent.pptx
@@ -11,16 +11,22 @@
     <p:sldId id="259" r:id="rId5"/>
     <p:sldId id="260" r:id="rId6"/>
     <p:sldId id="261" r:id="rId7"/>
-    <p:sldId id="262" r:id="rId8"/>
-    <p:sldId id="263" r:id="rId9"/>
-    <p:sldId id="264" r:id="rId10"/>
-    <p:sldId id="265" r:id="rId11"/>
-    <p:sldId id="266" r:id="rId12"/>
-    <p:sldId id="268" r:id="rId13"/>
-    <p:sldId id="269" r:id="rId14"/>
-    <p:sldId id="270" r:id="rId15"/>
-    <p:sldId id="271" r:id="rId16"/>
-    <p:sldId id="272" r:id="rId17"/>
+    <p:sldId id="274" r:id="rId8"/>
+    <p:sldId id="262" r:id="rId9"/>
+    <p:sldId id="263" r:id="rId10"/>
+    <p:sldId id="264" r:id="rId11"/>
+    <p:sldId id="265" r:id="rId12"/>
+    <p:sldId id="266" r:id="rId13"/>
+    <p:sldId id="268" r:id="rId14"/>
+    <p:sldId id="269" r:id="rId15"/>
+    <p:sldId id="270" r:id="rId16"/>
+    <p:sldId id="271" r:id="rId17"/>
+    <p:sldId id="272" r:id="rId18"/>
+    <p:sldId id="275" r:id="rId19"/>
+    <p:sldId id="276" r:id="rId20"/>
+    <p:sldId id="277" r:id="rId21"/>
+    <p:sldId id="278" r:id="rId22"/>
+    <p:sldId id="273" r:id="rId23"/>
   </p:sldIdLst>
   <p:sldSz cx="12192000" cy="6858000"/>
   <p:notesSz cx="6858000" cy="9144000"/>
@@ -354,7 +360,7 @@
             <a:fld id="{5586B75A-687E-405C-8A0B-8D00578BA2C3}" type="datetimeFigureOut">
               <a:rPr lang="en-US" dirty="0"/>
               <a:pPr/>
-              <a:t>3/5/2020</a:t>
+              <a:t>3/8/2020</a:t>
             </a:fld>
             <a:endParaRPr lang="en-US" dirty="0"/>
           </a:p>
@@ -521,7 +527,7 @@
             <a:fld id="{5586B75A-687E-405C-8A0B-8D00578BA2C3}" type="datetimeFigureOut">
               <a:rPr lang="en-US" dirty="0"/>
               <a:pPr/>
-              <a:t>3/5/2020</a:t>
+              <a:t>3/8/2020</a:t>
             </a:fld>
             <a:endParaRPr lang="en-US" dirty="0"/>
           </a:p>
@@ -698,7 +704,7 @@
             <a:fld id="{5586B75A-687E-405C-8A0B-8D00578BA2C3}" type="datetimeFigureOut">
               <a:rPr lang="en-US" dirty="0"/>
               <a:pPr/>
-              <a:t>3/5/2020</a:t>
+              <a:t>3/8/2020</a:t>
             </a:fld>
             <a:endParaRPr lang="en-US" dirty="0"/>
           </a:p>
@@ -865,7 +871,7 @@
             <a:fld id="{5586B75A-687E-405C-8A0B-8D00578BA2C3}" type="datetimeFigureOut">
               <a:rPr lang="en-US" dirty="0"/>
               <a:pPr/>
-              <a:t>3/5/2020</a:t>
+              <a:t>3/8/2020</a:t>
             </a:fld>
             <a:endParaRPr lang="en-US" dirty="0"/>
           </a:p>
@@ -1120,7 +1126,7 @@
             <a:fld id="{5586B75A-687E-405C-8A0B-8D00578BA2C3}" type="datetimeFigureOut">
               <a:rPr lang="en-US" dirty="0"/>
               <a:pPr/>
-              <a:t>3/5/2020</a:t>
+              <a:t>3/8/2020</a:t>
             </a:fld>
             <a:endParaRPr lang="en-US" dirty="0"/>
           </a:p>
@@ -1405,7 +1411,7 @@
             <a:fld id="{5586B75A-687E-405C-8A0B-8D00578BA2C3}" type="datetimeFigureOut">
               <a:rPr lang="en-US" dirty="0"/>
               <a:pPr/>
-              <a:t>3/5/2020</a:t>
+              <a:t>3/8/2020</a:t>
             </a:fld>
             <a:endParaRPr lang="en-US" dirty="0"/>
           </a:p>
@@ -1844,7 +1850,7 @@
             <a:fld id="{5586B75A-687E-405C-8A0B-8D00578BA2C3}" type="datetimeFigureOut">
               <a:rPr lang="en-US" dirty="0"/>
               <a:pPr/>
-              <a:t>3/5/2020</a:t>
+              <a:t>3/8/2020</a:t>
             </a:fld>
             <a:endParaRPr lang="en-US" dirty="0"/>
           </a:p>
@@ -1959,7 +1965,7 @@
             <a:fld id="{5586B75A-687E-405C-8A0B-8D00578BA2C3}" type="datetimeFigureOut">
               <a:rPr lang="en-US" dirty="0"/>
               <a:pPr/>
-              <a:t>3/5/2020</a:t>
+              <a:t>3/8/2020</a:t>
             </a:fld>
             <a:endParaRPr lang="en-US" dirty="0"/>
           </a:p>
@@ -2051,7 +2057,7 @@
             <a:fld id="{5586B75A-687E-405C-8A0B-8D00578BA2C3}" type="datetimeFigureOut">
               <a:rPr lang="en-US" dirty="0"/>
               <a:pPr/>
-              <a:t>3/5/2020</a:t>
+              <a:t>3/8/2020</a:t>
             </a:fld>
             <a:endParaRPr lang="en-US" dirty="0"/>
           </a:p>
@@ -2336,7 +2342,7 @@
             <a:fld id="{5586B75A-687E-405C-8A0B-8D00578BA2C3}" type="datetimeFigureOut">
               <a:rPr lang="en-US" dirty="0"/>
               <a:pPr/>
-              <a:t>3/5/2020</a:t>
+              <a:t>3/8/2020</a:t>
             </a:fld>
             <a:endParaRPr lang="en-US" dirty="0"/>
           </a:p>
@@ -2607,7 +2613,7 @@
             <a:fld id="{5586B75A-687E-405C-8A0B-8D00578BA2C3}" type="datetimeFigureOut">
               <a:rPr lang="en-US" dirty="0"/>
               <a:pPr/>
-              <a:t>3/5/2020</a:t>
+              <a:t>3/8/2020</a:t>
             </a:fld>
             <a:endParaRPr lang="en-US" dirty="0"/>
           </a:p>
@@ -2903,7 +2909,7 @@
             <a:fld id="{5586B75A-687E-405C-8A0B-8D00578BA2C3}" type="datetimeFigureOut">
               <a:rPr lang="en-US" dirty="0"/>
               <a:pPr/>
-              <a:t>3/5/2020</a:t>
+              <a:t>3/8/2020</a:t>
             </a:fld>
             <a:endParaRPr lang="en-US" dirty="0"/>
           </a:p>
@@ -3712,6 +3718,204 @@
           <p:cNvPr id="2" name="Title 1">
             <a:extLst>
               <a:ext uri="{FF2B5EF4-FFF2-40B4-BE49-F238E27FC236}">
+                <a16:creationId xmlns:a16="http://schemas.microsoft.com/office/drawing/2014/main" id="{BBF56CF3-DD88-4CF0-98FD-3689ED968762}"/>
+              </a:ext>
+            </a:extLst>
+          </p:cNvPr>
+          <p:cNvSpPr>
+            <a:spLocks noGrp="1"/>
+          </p:cNvSpPr>
+          <p:nvPr>
+            <p:ph type="title"/>
+          </p:nvPr>
+        </p:nvSpPr>
+        <p:spPr/>
+        <p:txBody>
+          <a:bodyPr/>
+          <a:lstStyle/>
+          <a:p>
+            <a:r>
+              <a:rPr lang="en-US" dirty="0"/>
+              <a:t>Computing the Cost Function</a:t>
+            </a:r>
+          </a:p>
+        </p:txBody>
+      </p:sp>
+      <mc:AlternateContent xmlns:mc="http://schemas.openxmlformats.org/markup-compatibility/2006">
+        <mc:Choice xmlns:a14="http://schemas.microsoft.com/office/drawing/2010/main" Requires="a14">
+          <p:sp>
+            <p:nvSpPr>
+              <p:cNvPr id="3" name="Content Placeholder 2">
+                <a:extLst>
+                  <a:ext uri="{FF2B5EF4-FFF2-40B4-BE49-F238E27FC236}">
+                    <a16:creationId xmlns:a16="http://schemas.microsoft.com/office/drawing/2014/main" id="{88B61A11-E501-4A05-A7BD-ED5AE01793D5}"/>
+                  </a:ext>
+                </a:extLst>
+              </p:cNvPr>
+              <p:cNvSpPr>
+                <a:spLocks noGrp="1"/>
+              </p:cNvSpPr>
+              <p:nvPr>
+                <p:ph idx="1"/>
+              </p:nvPr>
+            </p:nvSpPr>
+            <p:spPr/>
+            <p:txBody>
+              <a:bodyPr/>
+              <a:lstStyle/>
+              <a:p>
+                <a:r>
+                  <a:rPr lang="en-US" dirty="0"/>
+                  <a:t>The Network’s final layer (L-1) outputs a vector</a:t>
+                </a:r>
+              </a:p>
+              <a:p>
+                <a:endParaRPr lang="en-US" dirty="0"/>
+              </a:p>
+              <a:p>
+                <a:endParaRPr lang="en-US" dirty="0"/>
+              </a:p>
+              <a:p>
+                <a:r>
+                  <a:rPr lang="en-US" dirty="0"/>
+                  <a:t>For a </a:t>
+                </a:r>
+                <a:r>
+                  <a:rPr lang="en-US" i="1" dirty="0"/>
+                  <a:t>k-bins classifier</a:t>
+                </a:r>
+                <a:r>
+                  <a:rPr lang="en-US" dirty="0"/>
+                  <a:t>, this vector is shaped:  </a:t>
+                </a:r>
+                <a14:m>
+                  <m:oMath xmlns:m="http://schemas.openxmlformats.org/officeDocument/2006/math">
+                    <m:r>
+                      <a:rPr lang="en-US" b="0" i="1" dirty="0" smtClean="0">
+                        <a:latin typeface="Cambria Math" panose="02040503050406030204" pitchFamily="18" charset="0"/>
+                      </a:rPr>
+                      <m:t>𝑘</m:t>
+                    </m:r>
+                    <m:r>
+                      <a:rPr lang="en-US" b="0" i="1" dirty="0" smtClean="0">
+                        <a:latin typeface="Cambria Math" panose="02040503050406030204" pitchFamily="18" charset="0"/>
+                      </a:rPr>
+                      <m:t>×1</m:t>
+                    </m:r>
+                  </m:oMath>
+                </a14:m>
+                <a:endParaRPr lang="en-US" dirty="0"/>
+              </a:p>
+              <a:p>
+                <a:endParaRPr lang="en-US" dirty="0"/>
+              </a:p>
+              <a:p>
+                <a:endParaRPr lang="en-US" dirty="0"/>
+              </a:p>
+              <a:p>
+                <a:r>
+                  <a:rPr lang="en-US" dirty="0"/>
+                  <a:t>The target associated with the sample is also arranged into a </a:t>
+                </a:r>
+                <a14:m>
+                  <m:oMath xmlns:m="http://schemas.openxmlformats.org/officeDocument/2006/math">
+                    <m:r>
+                      <a:rPr lang="en-US" i="1" dirty="0">
+                        <a:latin typeface="Cambria Math" panose="02040503050406030204" pitchFamily="18" charset="0"/>
+                      </a:rPr>
+                      <m:t>𝑘</m:t>
+                    </m:r>
+                    <m:r>
+                      <a:rPr lang="en-US" i="1" dirty="0">
+                        <a:latin typeface="Cambria Math" panose="02040503050406030204" pitchFamily="18" charset="0"/>
+                      </a:rPr>
+                      <m:t>×1</m:t>
+                    </m:r>
+                  </m:oMath>
+                </a14:m>
+                <a:r>
+                  <a:rPr lang="en-US" dirty="0"/>
+                  <a:t> vector. </a:t>
+                </a:r>
+              </a:p>
+            </p:txBody>
+          </p:sp>
+        </mc:Choice>
+        <mc:Fallback>
+          <p:sp>
+            <p:nvSpPr>
+              <p:cNvPr id="3" name="Content Placeholder 2">
+                <a:extLst>
+                  <a:ext uri="{FF2B5EF4-FFF2-40B4-BE49-F238E27FC236}">
+                    <a16:creationId xmlns:a16="http://schemas.microsoft.com/office/drawing/2014/main" id="{88B61A11-E501-4A05-A7BD-ED5AE01793D5}"/>
+                  </a:ext>
+                </a:extLst>
+              </p:cNvPr>
+              <p:cNvSpPr>
+                <a:spLocks noGrp="1" noRot="1" noChangeAspect="1" noMove="1" noResize="1" noEditPoints="1" noAdjustHandles="1" noChangeArrowheads="1" noChangeShapeType="1" noTextEdit="1"/>
+              </p:cNvSpPr>
+              <p:nvPr>
+                <p:ph idx="1"/>
+              </p:nvPr>
+            </p:nvSpPr>
+            <p:spPr>
+              <a:blipFill>
+                <a:blip r:embed="rId2"/>
+                <a:stretch>
+                  <a:fillRect l="-667"/>
+                </a:stretch>
+              </a:blipFill>
+            </p:spPr>
+            <p:txBody>
+              <a:bodyPr/>
+              <a:lstStyle/>
+              <a:p>
+                <a:r>
+                  <a:rPr lang="en-US">
+                    <a:noFill/>
+                  </a:rPr>
+                  <a:t> </a:t>
+                </a:r>
+              </a:p>
+            </p:txBody>
+          </p:sp>
+        </mc:Fallback>
+      </mc:AlternateContent>
+    </p:spTree>
+    <p:extLst>
+      <p:ext uri="{BB962C8B-B14F-4D97-AF65-F5344CB8AC3E}">
+        <p14:creationId xmlns:p14="http://schemas.microsoft.com/office/powerpoint/2010/main" val="2461934981"/>
+      </p:ext>
+    </p:extLst>
+  </p:cSld>
+  <p:clrMapOvr>
+    <a:masterClrMapping/>
+  </p:clrMapOvr>
+</p:sld>
+</file>
+
+<file path=ppt/slides/slide11.xml><?xml version="1.0" encoding="utf-8"?>
+<p:sld xmlns:a="http://schemas.openxmlformats.org/drawingml/2006/main" xmlns:r="http://schemas.openxmlformats.org/officeDocument/2006/relationships" xmlns:p="http://schemas.openxmlformats.org/presentationml/2006/main">
+  <p:cSld>
+    <p:spTree>
+      <p:nvGrpSpPr>
+        <p:cNvPr id="1" name=""/>
+        <p:cNvGrpSpPr/>
+        <p:nvPr/>
+      </p:nvGrpSpPr>
+      <p:grpSpPr>
+        <a:xfrm>
+          <a:off x="0" y="0"/>
+          <a:ext cx="0" cy="0"/>
+          <a:chOff x="0" y="0"/>
+          <a:chExt cx="0" cy="0"/>
+        </a:xfrm>
+      </p:grpSpPr>
+      <p:sp>
+        <p:nvSpPr>
+          <p:cNvPr id="2" name="Title 1">
+            <a:extLst>
+              <a:ext uri="{FF2B5EF4-FFF2-40B4-BE49-F238E27FC236}">
                 <a16:creationId xmlns:a16="http://schemas.microsoft.com/office/drawing/2014/main" id="{493D78FE-C37F-44C9-A736-57CC1952EB16}"/>
               </a:ext>
             </a:extLst>
@@ -3903,37 +4107,63 @@
                                 </m:mPr>
                                 <m:mr>
                                   <m:e>
-                                    <m:r>
-                                      <m:rPr>
-                                        <m:brk m:alnAt="7"/>
-                                      </m:rPr>
-                                      <a:rPr lang="en-US" sz="2800" b="0" i="1" smtClean="0">
-                                        <a:latin typeface="Cambria Math" panose="02040503050406030204" pitchFamily="18" charset="0"/>
-                                      </a:rPr>
-                                      <m:t>𝑥</m:t>
-                                    </m:r>
-                                    <m:r>
-                                      <a:rPr lang="en-US" sz="2800" b="0" i="1" smtClean="0">
-                                        <a:latin typeface="Cambria Math" panose="02040503050406030204" pitchFamily="18" charset="0"/>
-                                      </a:rPr>
-                                      <m:t>_0</m:t>
-                                    </m:r>
+                                    <m:sSub>
+                                      <m:sSubPr>
+                                        <m:ctrlPr>
+                                          <a:rPr lang="en-US" sz="2800" b="0" i="1" smtClean="0">
+                                            <a:latin typeface="Cambria Math" panose="02040503050406030204" pitchFamily="18" charset="0"/>
+                                          </a:rPr>
+                                        </m:ctrlPr>
+                                      </m:sSubPr>
+                                      <m:e>
+                                        <m:r>
+                                          <m:rPr>
+                                            <m:brk m:alnAt="7"/>
+                                          </m:rPr>
+                                          <a:rPr lang="en-US" sz="2800" b="0" i="1" smtClean="0">
+                                            <a:latin typeface="Cambria Math" panose="02040503050406030204" pitchFamily="18" charset="0"/>
+                                          </a:rPr>
+                                          <m:t>𝑥</m:t>
+                                        </m:r>
+                                      </m:e>
+                                      <m:sub>
+                                        <m:r>
+                                          <a:rPr lang="en-US" sz="2800" b="0" i="1" smtClean="0">
+                                            <a:latin typeface="Cambria Math" panose="02040503050406030204" pitchFamily="18" charset="0"/>
+                                          </a:rPr>
+                                          <m:t>0</m:t>
+                                        </m:r>
+                                      </m:sub>
+                                    </m:sSub>
                                   </m:e>
                                 </m:mr>
                                 <m:mr>
                                   <m:e>
-                                    <m:r>
-                                      <a:rPr lang="en-US" sz="2800" b="0" i="1" smtClean="0">
-                                        <a:latin typeface="Cambria Math" panose="02040503050406030204" pitchFamily="18" charset="0"/>
-                                      </a:rPr>
-                                      <m:t>𝑥</m:t>
-                                    </m:r>
-                                    <m:r>
-                                      <a:rPr lang="en-US" sz="2800" b="0" i="1" smtClean="0">
-                                        <a:latin typeface="Cambria Math" panose="02040503050406030204" pitchFamily="18" charset="0"/>
-                                      </a:rPr>
-                                      <m:t>_1</m:t>
-                                    </m:r>
+                                    <m:sSub>
+                                      <m:sSubPr>
+                                        <m:ctrlPr>
+                                          <a:rPr lang="en-US" sz="2800" b="0" i="1" smtClean="0">
+                                            <a:latin typeface="Cambria Math" panose="02040503050406030204" pitchFamily="18" charset="0"/>
+                                          </a:rPr>
+                                        </m:ctrlPr>
+                                      </m:sSubPr>
+                                      <m:e>
+                                        <m:r>
+                                          <a:rPr lang="en-US" sz="2800" b="0" i="1" smtClean="0">
+                                            <a:latin typeface="Cambria Math" panose="02040503050406030204" pitchFamily="18" charset="0"/>
+                                          </a:rPr>
+                                          <m:t>𝑥</m:t>
+                                        </m:r>
+                                      </m:e>
+                                      <m:sub>
+                                        <m:r>
+                                          <a:rPr lang="en-US" sz="2800" b="0" i="1" smtClean="0">
+                                            <a:latin typeface="Cambria Math" panose="02040503050406030204" pitchFamily="18" charset="0"/>
+                                          </a:rPr>
+                                          <m:t>1</m:t>
+                                        </m:r>
+                                      </m:sub>
+                                    </m:sSub>
                                   </m:e>
                                 </m:mr>
                                 <m:mr>
@@ -3948,24 +4178,31 @@
                                 </m:mr>
                                 <m:mr>
                                   <m:e>
-                                    <m:r>
-                                      <a:rPr lang="en-US" sz="2800" b="0" i="1" smtClean="0">
-                                        <a:latin typeface="Cambria Math" panose="02040503050406030204" pitchFamily="18" charset="0"/>
-                                      </a:rPr>
-                                      <m:t>𝑥</m:t>
-                                    </m:r>
-                                    <m:r>
-                                      <a:rPr lang="en-US" sz="2800" b="0" i="1" smtClean="0">
-                                        <a:latin typeface="Cambria Math" panose="02040503050406030204" pitchFamily="18" charset="0"/>
-                                      </a:rPr>
-                                      <m:t>_</m:t>
-                                    </m:r>
-                                    <m:r>
-                                      <a:rPr lang="en-US" sz="2800" b="0" i="1" smtClean="0">
-                                        <a:latin typeface="Cambria Math" panose="02040503050406030204" pitchFamily="18" charset="0"/>
-                                      </a:rPr>
-                                      <m:t>𝑛</m:t>
-                                    </m:r>
+                                    <m:sSub>
+                                      <m:sSubPr>
+                                        <m:ctrlPr>
+                                          <a:rPr lang="en-US" sz="2800" b="0" i="1" smtClean="0">
+                                            <a:latin typeface="Cambria Math" panose="02040503050406030204" pitchFamily="18" charset="0"/>
+                                          </a:rPr>
+                                        </m:ctrlPr>
+                                      </m:sSubPr>
+                                      <m:e>
+                                        <m:r>
+                                          <a:rPr lang="en-US" sz="2800" b="0" i="1" smtClean="0">
+                                            <a:latin typeface="Cambria Math" panose="02040503050406030204" pitchFamily="18" charset="0"/>
+                                          </a:rPr>
+                                          <m:t>𝑥</m:t>
+                                        </m:r>
+                                      </m:e>
+                                      <m:sub>
+                                        <m:r>
+                                          <a:rPr lang="en-US" sz="2800" b="0" i="1" smtClean="0">
+                                            <a:latin typeface="Cambria Math" panose="02040503050406030204" pitchFamily="18" charset="0"/>
+                                          </a:rPr>
+                                          <m:t>𝑛</m:t>
+                                        </m:r>
+                                      </m:sub>
+                                    </m:sSub>
                                   </m:e>
                                 </m:mr>
                                 <m:mr>
@@ -4151,8 +4388,8 @@
           </a:p>
         </p:txBody>
       </p:sp>
-      <mc:AlternateContent xmlns:mc="http://schemas.openxmlformats.org/markup-compatibility/2006">
-        <mc:Choice xmlns:a14="http://schemas.microsoft.com/office/drawing/2010/main" Requires="a14">
+      <mc:AlternateContent xmlns:mc="http://schemas.openxmlformats.org/markup-compatibility/2006" xmlns:a14="http://schemas.microsoft.com/office/drawing/2010/main">
+        <mc:Choice Requires="a14">
           <p:sp>
             <p:nvSpPr>
               <p:cNvPr id="6" name="Content Placeholder 5">
@@ -4320,7 +4557,7 @@
             </p:txBody>
           </p:sp>
         </mc:Choice>
-        <mc:Fallback>
+        <mc:Fallback xmlns="">
           <p:sp>
             <p:nvSpPr>
               <p:cNvPr id="6" name="Content Placeholder 5">
@@ -4373,7 +4610,7 @@
 </p:sld>
 </file>
 
-<file path=ppt/slides/slide11.xml><?xml version="1.0" encoding="utf-8"?>
+<file path=ppt/slides/slide12.xml><?xml version="1.0" encoding="utf-8"?>
 <p:sld xmlns:a="http://schemas.openxmlformats.org/drawingml/2006/main" xmlns:r="http://schemas.openxmlformats.org/officeDocument/2006/relationships" xmlns:p="http://schemas.openxmlformats.org/presentationml/2006/main">
   <p:cSld>
     <p:spTree>
@@ -4443,7 +4680,7 @@
               <a:p>
                 <a:r>
                   <a:rPr lang="en-US" dirty="0"/>
-                  <a:t>Often, we take the element-wise difference between the two vectors </a:t>
+                  <a:t>Often, we take the element-wise difference between the two vectors (Sanderson)</a:t>
                 </a:r>
               </a:p>
               <a:p>
@@ -4546,87 +4783,117 @@
                           </m:r>
                         </m:sup>
                         <m:e>
-                          <m:d>
-                            <m:dPr>
+                          <m:sSup>
+                            <m:sSupPr>
                               <m:ctrlPr>
                                 <a:rPr lang="en-US" sz="3200" b="0" i="1" smtClean="0">
                                   <a:latin typeface="Cambria Math" panose="02040503050406030204" pitchFamily="18" charset="0"/>
                                 </a:rPr>
                               </m:ctrlPr>
-                            </m:dPr>
+                            </m:sSupPr>
                             <m:e>
-                              <m:sSubSup>
-                                <m:sSubSupPr>
+                              <m:d>
+                                <m:dPr>
                                   <m:ctrlPr>
                                     <a:rPr lang="en-US" sz="3200" b="0" i="1" smtClean="0">
                                       <a:latin typeface="Cambria Math" panose="02040503050406030204" pitchFamily="18" charset="0"/>
                                     </a:rPr>
                                   </m:ctrlPr>
-                                </m:sSubSupPr>
+                                </m:dPr>
                                 <m:e>
+                                  <m:sSubSup>
+                                    <m:sSubSupPr>
+                                      <m:ctrlPr>
+                                        <a:rPr lang="en-US" sz="3200" b="0" i="1" smtClean="0">
+                                          <a:latin typeface="Cambria Math" panose="02040503050406030204" pitchFamily="18" charset="0"/>
+                                        </a:rPr>
+                                      </m:ctrlPr>
+                                    </m:sSubSupPr>
+                                    <m:e>
+                                      <m:r>
+                                        <a:rPr lang="en-US" sz="3200" b="0" i="1" smtClean="0">
+                                          <a:latin typeface="Cambria Math" panose="02040503050406030204" pitchFamily="18" charset="0"/>
+                                        </a:rPr>
+                                        <m:t>𝑥</m:t>
+                                      </m:r>
+                                    </m:e>
+                                    <m:sub>
+                                      <m:r>
+                                        <a:rPr lang="en-US" sz="3200" b="0" i="1" smtClean="0">
+                                          <a:latin typeface="Cambria Math" panose="02040503050406030204" pitchFamily="18" charset="0"/>
+                                        </a:rPr>
+                                        <m:t>𝑖</m:t>
+                                      </m:r>
+                                    </m:sub>
+                                    <m:sup>
+                                      <m:d>
+                                        <m:dPr>
+                                          <m:ctrlPr>
+                                            <a:rPr lang="en-US" sz="3200" b="0" i="1" smtClean="0">
+                                              <a:latin typeface="Cambria Math" panose="02040503050406030204" pitchFamily="18" charset="0"/>
+                                            </a:rPr>
+                                          </m:ctrlPr>
+                                        </m:dPr>
+                                        <m:e>
+                                          <m:r>
+                                            <a:rPr lang="en-US" sz="3200" b="0" i="1" smtClean="0">
+                                              <a:latin typeface="Cambria Math" panose="02040503050406030204" pitchFamily="18" charset="0"/>
+                                            </a:rPr>
+                                            <m:t>𝐿</m:t>
+                                          </m:r>
+                                          <m:r>
+                                            <a:rPr lang="en-US" sz="3200" b="0" i="1" smtClean="0">
+                                              <a:latin typeface="Cambria Math" panose="02040503050406030204" pitchFamily="18" charset="0"/>
+                                            </a:rPr>
+                                            <m:t>−1</m:t>
+                                          </m:r>
+                                        </m:e>
+                                      </m:d>
+                                    </m:sup>
+                                  </m:sSubSup>
                                   <m:r>
                                     <a:rPr lang="en-US" sz="3200" b="0" i="1" smtClean="0">
                                       <a:latin typeface="Cambria Math" panose="02040503050406030204" pitchFamily="18" charset="0"/>
                                     </a:rPr>
-                                    <m:t>𝑥</m:t>
+                                    <m:t>−</m:t>
                                   </m:r>
+                                  <m:sSub>
+                                    <m:sSubPr>
+                                      <m:ctrlPr>
+                                        <a:rPr lang="en-US" sz="3200" b="0" i="1" smtClean="0">
+                                          <a:latin typeface="Cambria Math" panose="02040503050406030204" pitchFamily="18" charset="0"/>
+                                        </a:rPr>
+                                      </m:ctrlPr>
+                                    </m:sSubPr>
+                                    <m:e>
+                                      <m:r>
+                                        <a:rPr lang="en-US" sz="3200" b="0" i="1" smtClean="0">
+                                          <a:latin typeface="Cambria Math" panose="02040503050406030204" pitchFamily="18" charset="0"/>
+                                        </a:rPr>
+                                        <m:t>𝑦</m:t>
+                                      </m:r>
+                                    </m:e>
+                                    <m:sub>
+                                      <m:r>
+                                        <a:rPr lang="en-US" sz="3200" b="0" i="1" smtClean="0">
+                                          <a:latin typeface="Cambria Math" panose="02040503050406030204" pitchFamily="18" charset="0"/>
+                                        </a:rPr>
+                                        <m:t>𝑖</m:t>
+                                      </m:r>
+                                    </m:sub>
+                                  </m:sSub>
                                 </m:e>
-                                <m:sub>
-                                  <m:r>
-                                    <a:rPr lang="en-US" sz="3200" b="0" i="1" smtClean="0">
-                                      <a:latin typeface="Cambria Math" panose="02040503050406030204" pitchFamily="18" charset="0"/>
-                                    </a:rPr>
-                                    <m:t>𝑖</m:t>
-                                  </m:r>
-                                </m:sub>
-                                <m:sup>
-                                  <m:r>
-                                    <a:rPr lang="en-US" sz="3200" b="0" i="1" smtClean="0">
-                                      <a:latin typeface="Cambria Math" panose="02040503050406030204" pitchFamily="18" charset="0"/>
-                                    </a:rPr>
-                                    <m:t>𝐿</m:t>
-                                  </m:r>
-                                  <m:r>
-                                    <a:rPr lang="en-US" sz="3200" b="0" i="1" smtClean="0">
-                                      <a:latin typeface="Cambria Math" panose="02040503050406030204" pitchFamily="18" charset="0"/>
-                                    </a:rPr>
-                                    <m:t>−1</m:t>
-                                  </m:r>
-                                </m:sup>
-                              </m:sSubSup>
+                              </m:d>
+                            </m:e>
+                            <m:sup>
                               <m:r>
                                 <a:rPr lang="en-US" sz="3200" b="0" i="1" smtClean="0">
                                   <a:latin typeface="Cambria Math" panose="02040503050406030204" pitchFamily="18" charset="0"/>
                                 </a:rPr>
-                                <m:t>−</m:t>
+                                <m:t>2</m:t>
                               </m:r>
-                              <m:sSub>
-                                <m:sSubPr>
-                                  <m:ctrlPr>
-                                    <a:rPr lang="en-US" sz="3200" b="0" i="1" smtClean="0">
-                                      <a:latin typeface="Cambria Math" panose="02040503050406030204" pitchFamily="18" charset="0"/>
-                                    </a:rPr>
-                                  </m:ctrlPr>
-                                </m:sSubPr>
-                                <m:e>
-                                  <m:r>
-                                    <a:rPr lang="en-US" sz="3200" b="0" i="1" smtClean="0">
-                                      <a:latin typeface="Cambria Math" panose="02040503050406030204" pitchFamily="18" charset="0"/>
-                                    </a:rPr>
-                                    <m:t>𝑦</m:t>
-                                  </m:r>
-                                </m:e>
-                                <m:sub>
-                                  <m:r>
-                                    <a:rPr lang="en-US" sz="3200" b="0" i="1" smtClean="0">
-                                      <a:latin typeface="Cambria Math" panose="02040503050406030204" pitchFamily="18" charset="0"/>
-                                    </a:rPr>
-                                    <m:t>𝑖</m:t>
-                                  </m:r>
-                                </m:sub>
-                              </m:sSub>
-                            </m:e>
-                          </m:d>
+                            </m:sup>
+                          </m:sSup>
                         </m:e>
                       </m:nary>
                     </m:oMath>
@@ -4643,7 +4910,7 @@
               <a:p>
                 <a:r>
                   <a:rPr lang="en-US" dirty="0"/>
-                  <a:t>The smaller the value of the MSE, the more accurate the MLP was at that particular sample</a:t>
+                  <a:t>The smaller the value of the MSE, the more accurate the MLP was at that particular sample (James)</a:t>
                 </a:r>
               </a:p>
             </p:txBody>
@@ -4702,7 +4969,7 @@
 </p:sld>
 </file>
 
-<file path=ppt/slides/slide12.xml><?xml version="1.0" encoding="utf-8"?>
+<file path=ppt/slides/slide13.xml><?xml version="1.0" encoding="utf-8"?>
 <p:sld xmlns:a="http://schemas.openxmlformats.org/drawingml/2006/main" xmlns:r="http://schemas.openxmlformats.org/officeDocument/2006/relationships" xmlns:p="http://schemas.openxmlformats.org/presentationml/2006/main">
   <p:cSld>
     <p:bg>
@@ -5130,7 +5397,7 @@
 </p:sld>
 </file>
 
-<file path=ppt/slides/slide13.xml><?xml version="1.0" encoding="utf-8"?>
+<file path=ppt/slides/slide14.xml><?xml version="1.0" encoding="utf-8"?>
 <p:sld xmlns:a="http://schemas.openxmlformats.org/drawingml/2006/main" xmlns:r="http://schemas.openxmlformats.org/officeDocument/2006/relationships" xmlns:p="http://schemas.openxmlformats.org/presentationml/2006/main">
   <p:cSld>
     <p:bg>
@@ -5530,119 +5797,6 @@
 </p:sld>
 </file>
 
-<file path=ppt/slides/slide14.xml><?xml version="1.0" encoding="utf-8"?>
-<p:sld xmlns:a="http://schemas.openxmlformats.org/drawingml/2006/main" xmlns:r="http://schemas.openxmlformats.org/officeDocument/2006/relationships" xmlns:p="http://schemas.openxmlformats.org/presentationml/2006/main">
-  <p:cSld>
-    <p:spTree>
-      <p:nvGrpSpPr>
-        <p:cNvPr id="1" name=""/>
-        <p:cNvGrpSpPr/>
-        <p:nvPr/>
-      </p:nvGrpSpPr>
-      <p:grpSpPr>
-        <a:xfrm>
-          <a:off x="0" y="0"/>
-          <a:ext cx="0" cy="0"/>
-          <a:chOff x="0" y="0"/>
-          <a:chExt cx="0" cy="0"/>
-        </a:xfrm>
-      </p:grpSpPr>
-      <p:sp>
-        <p:nvSpPr>
-          <p:cNvPr id="4" name="Title 3">
-            <a:extLst>
-              <a:ext uri="{FF2B5EF4-FFF2-40B4-BE49-F238E27FC236}">
-                <a16:creationId xmlns:a16="http://schemas.microsoft.com/office/drawing/2014/main" id="{0BC5AAEF-0458-4C4E-86CB-F1CDA91C7462}"/>
-              </a:ext>
-            </a:extLst>
-          </p:cNvPr>
-          <p:cNvSpPr>
-            <a:spLocks noGrp="1"/>
-          </p:cNvSpPr>
-          <p:nvPr>
-            <p:ph type="title"/>
-          </p:nvPr>
-        </p:nvSpPr>
-        <p:spPr/>
-        <p:txBody>
-          <a:bodyPr/>
-          <a:lstStyle/>
-          <a:p>
-            <a:r>
-              <a:rPr lang="en-US" dirty="0"/>
-              <a:t>The Cost Function Revisited</a:t>
-            </a:r>
-          </a:p>
-        </p:txBody>
-      </p:sp>
-      <p:sp>
-        <p:nvSpPr>
-          <p:cNvPr id="5" name="Content Placeholder 4">
-            <a:extLst>
-              <a:ext uri="{FF2B5EF4-FFF2-40B4-BE49-F238E27FC236}">
-                <a16:creationId xmlns:a16="http://schemas.microsoft.com/office/drawing/2014/main" id="{FDFA1701-84AC-4B93-89FD-6E0B58E4A402}"/>
-              </a:ext>
-            </a:extLst>
-          </p:cNvPr>
-          <p:cNvSpPr>
-            <a:spLocks noGrp="1"/>
-          </p:cNvSpPr>
-          <p:nvPr>
-            <p:ph idx="1"/>
-          </p:nvPr>
-        </p:nvSpPr>
-        <p:spPr/>
-        <p:txBody>
-          <a:bodyPr/>
-          <a:lstStyle/>
-          <a:p>
-            <a:r>
-              <a:rPr lang="en-US" dirty="0"/>
-              <a:t>The Cost function is the function of the MLP output and the target vector </a:t>
-            </a:r>
-          </a:p>
-          <a:p>
-            <a:endParaRPr lang="en-US" dirty="0"/>
-          </a:p>
-          <a:p>
-            <a:r>
-              <a:rPr lang="en-US" dirty="0"/>
-              <a:t>The output of the MLP is a function of the input vector</a:t>
-            </a:r>
-          </a:p>
-          <a:p>
-            <a:endParaRPr lang="en-US" dirty="0"/>
-          </a:p>
-          <a:p>
-            <a:r>
-              <a:rPr lang="en-US" dirty="0"/>
-              <a:t>The input vector is transformed through each weighting matrix</a:t>
-            </a:r>
-          </a:p>
-          <a:p>
-            <a:endParaRPr lang="en-US" dirty="0"/>
-          </a:p>
-          <a:p>
-            <a:r>
-              <a:rPr lang="en-US" dirty="0"/>
-              <a:t>Thus, the cost function is a function of all the weighting matrices</a:t>
-            </a:r>
-          </a:p>
-        </p:txBody>
-      </p:sp>
-    </p:spTree>
-    <p:extLst>
-      <p:ext uri="{BB962C8B-B14F-4D97-AF65-F5344CB8AC3E}">
-        <p14:creationId xmlns:p14="http://schemas.microsoft.com/office/powerpoint/2010/main" val="1154417171"/>
-      </p:ext>
-    </p:extLst>
-  </p:cSld>
-  <p:clrMapOvr>
-    <a:masterClrMapping/>
-  </p:clrMapOvr>
-</p:sld>
-</file>
-
 <file path=ppt/slides/slide15.xml><?xml version="1.0" encoding="utf-8"?>
 <p:sld xmlns:a="http://schemas.openxmlformats.org/drawingml/2006/main" xmlns:r="http://schemas.openxmlformats.org/officeDocument/2006/relationships" xmlns:p="http://schemas.openxmlformats.org/presentationml/2006/main">
   <p:cSld>
@@ -5662,6 +5816,119 @@
       </p:grpSpPr>
       <p:sp>
         <p:nvSpPr>
+          <p:cNvPr id="4" name="Title 3">
+            <a:extLst>
+              <a:ext uri="{FF2B5EF4-FFF2-40B4-BE49-F238E27FC236}">
+                <a16:creationId xmlns:a16="http://schemas.microsoft.com/office/drawing/2014/main" id="{0BC5AAEF-0458-4C4E-86CB-F1CDA91C7462}"/>
+              </a:ext>
+            </a:extLst>
+          </p:cNvPr>
+          <p:cNvSpPr>
+            <a:spLocks noGrp="1"/>
+          </p:cNvSpPr>
+          <p:nvPr>
+            <p:ph type="title"/>
+          </p:nvPr>
+        </p:nvSpPr>
+        <p:spPr/>
+        <p:txBody>
+          <a:bodyPr/>
+          <a:lstStyle/>
+          <a:p>
+            <a:r>
+              <a:rPr lang="en-US" dirty="0"/>
+              <a:t>The Cost Function Revisited</a:t>
+            </a:r>
+          </a:p>
+        </p:txBody>
+      </p:sp>
+      <p:sp>
+        <p:nvSpPr>
+          <p:cNvPr id="5" name="Content Placeholder 4">
+            <a:extLst>
+              <a:ext uri="{FF2B5EF4-FFF2-40B4-BE49-F238E27FC236}">
+                <a16:creationId xmlns:a16="http://schemas.microsoft.com/office/drawing/2014/main" id="{FDFA1701-84AC-4B93-89FD-6E0B58E4A402}"/>
+              </a:ext>
+            </a:extLst>
+          </p:cNvPr>
+          <p:cNvSpPr>
+            <a:spLocks noGrp="1"/>
+          </p:cNvSpPr>
+          <p:nvPr>
+            <p:ph idx="1"/>
+          </p:nvPr>
+        </p:nvSpPr>
+        <p:spPr/>
+        <p:txBody>
+          <a:bodyPr/>
+          <a:lstStyle/>
+          <a:p>
+            <a:r>
+              <a:rPr lang="en-US" dirty="0"/>
+              <a:t>The Cost function is the function of the MLP output and the target vector </a:t>
+            </a:r>
+          </a:p>
+          <a:p>
+            <a:endParaRPr lang="en-US" dirty="0"/>
+          </a:p>
+          <a:p>
+            <a:r>
+              <a:rPr lang="en-US" dirty="0"/>
+              <a:t>The output of the MLP is a function of the input vector</a:t>
+            </a:r>
+          </a:p>
+          <a:p>
+            <a:endParaRPr lang="en-US" dirty="0"/>
+          </a:p>
+          <a:p>
+            <a:r>
+              <a:rPr lang="en-US" dirty="0"/>
+              <a:t>The input vector is transformed through each weighting matrix</a:t>
+            </a:r>
+          </a:p>
+          <a:p>
+            <a:endParaRPr lang="en-US" dirty="0"/>
+          </a:p>
+          <a:p>
+            <a:r>
+              <a:rPr lang="en-US" dirty="0"/>
+              <a:t>Thus, the cost function is a function of all the weighting matrices</a:t>
+            </a:r>
+          </a:p>
+        </p:txBody>
+      </p:sp>
+    </p:spTree>
+    <p:extLst>
+      <p:ext uri="{BB962C8B-B14F-4D97-AF65-F5344CB8AC3E}">
+        <p14:creationId xmlns:p14="http://schemas.microsoft.com/office/powerpoint/2010/main" val="1154417171"/>
+      </p:ext>
+    </p:extLst>
+  </p:cSld>
+  <p:clrMapOvr>
+    <a:masterClrMapping/>
+  </p:clrMapOvr>
+</p:sld>
+</file>
+
+<file path=ppt/slides/slide16.xml><?xml version="1.0" encoding="utf-8"?>
+<p:sld xmlns:a="http://schemas.openxmlformats.org/drawingml/2006/main" xmlns:r="http://schemas.openxmlformats.org/officeDocument/2006/relationships" xmlns:p="http://schemas.openxmlformats.org/presentationml/2006/main">
+  <p:cSld>
+    <p:spTree>
+      <p:nvGrpSpPr>
+        <p:cNvPr id="1" name=""/>
+        <p:cNvGrpSpPr/>
+        <p:nvPr/>
+      </p:nvGrpSpPr>
+      <p:grpSpPr>
+        <a:xfrm>
+          <a:off x="0" y="0"/>
+          <a:ext cx="0" cy="0"/>
+          <a:chOff x="0" y="0"/>
+          <a:chExt cx="0" cy="0"/>
+        </a:xfrm>
+      </p:grpSpPr>
+      <p:sp>
+        <p:nvSpPr>
           <p:cNvPr id="2" name="Title 1">
             <a:extLst>
               <a:ext uri="{FF2B5EF4-FFF2-40B4-BE49-F238E27FC236}">
@@ -5720,7 +5987,7 @@
           <a:p>
             <a:r>
               <a:rPr lang="en-US" dirty="0"/>
-              <a:t>Every element in  every weighting matrix contributes to the error function</a:t>
+              <a:t>Every element in  every weighting matrix contributes to the error function (Sanderson)</a:t>
             </a:r>
           </a:p>
           <a:p>
@@ -5738,7 +6005,7 @@
           <a:p>
             <a:r>
               <a:rPr lang="en-US" dirty="0"/>
-              <a:t>We use Stochastic Gradient Descent to adjust these inputs</a:t>
+              <a:t>We use Stochastic Gradient Descent to adjust these inputs (Goodfellow)</a:t>
             </a:r>
           </a:p>
         </p:txBody>
@@ -5756,7 +6023,7 @@
 </p:sld>
 </file>
 
-<file path=ppt/slides/slide16.xml><?xml version="1.0" encoding="utf-8"?>
+<file path=ppt/slides/slide17.xml><?xml version="1.0" encoding="utf-8"?>
 <p:sld xmlns:a="http://schemas.openxmlformats.org/drawingml/2006/main" xmlns:r="http://schemas.openxmlformats.org/officeDocument/2006/relationships" xmlns:p="http://schemas.openxmlformats.org/presentationml/2006/main">
   <p:cSld>
     <p:bg>
@@ -6156,6 +6423,241 @@
 </p:sld>
 </file>
 
+<file path=ppt/slides/slide18.xml><?xml version="1.0" encoding="utf-8"?>
+<p:sld xmlns:a="http://schemas.openxmlformats.org/drawingml/2006/main" xmlns:r="http://schemas.openxmlformats.org/officeDocument/2006/relationships" xmlns:p="http://schemas.openxmlformats.org/presentationml/2006/main">
+  <p:cSld>
+    <p:spTree>
+      <p:nvGrpSpPr>
+        <p:cNvPr id="1" name=""/>
+        <p:cNvGrpSpPr/>
+        <p:nvPr/>
+      </p:nvGrpSpPr>
+      <p:grpSpPr>
+        <a:xfrm>
+          <a:off x="0" y="0"/>
+          <a:ext cx="0" cy="0"/>
+          <a:chOff x="0" y="0"/>
+          <a:chExt cx="0" cy="0"/>
+        </a:xfrm>
+      </p:grpSpPr>
+      <p:sp>
+        <p:nvSpPr>
+          <p:cNvPr id="2" name="Title 1">
+            <a:extLst>
+              <a:ext uri="{FF2B5EF4-FFF2-40B4-BE49-F238E27FC236}">
+                <a16:creationId xmlns:a16="http://schemas.microsoft.com/office/drawing/2014/main" id="{84EF7276-14EE-4759-BD69-83D150654B1F}"/>
+              </a:ext>
+            </a:extLst>
+          </p:cNvPr>
+          <p:cNvSpPr>
+            <a:spLocks noGrp="1"/>
+          </p:cNvSpPr>
+          <p:nvPr>
+            <p:ph type="title"/>
+          </p:nvPr>
+        </p:nvSpPr>
+        <p:spPr/>
+        <p:txBody>
+          <a:bodyPr/>
+          <a:lstStyle/>
+          <a:p>
+            <a:r>
+              <a:rPr lang="en-US" dirty="0" err="1"/>
+              <a:t>MLPClassifier</a:t>
+            </a:r>
+            <a:r>
+              <a:rPr lang="en-US" dirty="0"/>
+              <a:t> Object</a:t>
+            </a:r>
+          </a:p>
+        </p:txBody>
+      </p:sp>
+      <p:sp>
+        <p:nvSpPr>
+          <p:cNvPr id="3" name="Content Placeholder 2">
+            <a:extLst>
+              <a:ext uri="{FF2B5EF4-FFF2-40B4-BE49-F238E27FC236}">
+                <a16:creationId xmlns:a16="http://schemas.microsoft.com/office/drawing/2014/main" id="{C3E1B2C7-D98E-45EE-A64B-3FA8A15E5964}"/>
+              </a:ext>
+            </a:extLst>
+          </p:cNvPr>
+          <p:cNvSpPr>
+            <a:spLocks noGrp="1"/>
+          </p:cNvSpPr>
+          <p:nvPr>
+            <p:ph idx="1"/>
+          </p:nvPr>
+        </p:nvSpPr>
+        <p:spPr/>
+        <p:txBody>
+          <a:bodyPr/>
+          <a:lstStyle/>
+          <a:p>
+            <a:r>
+              <a:rPr lang="en-US" dirty="0" err="1"/>
+              <a:t>Sklearn</a:t>
+            </a:r>
+            <a:r>
+              <a:rPr lang="en-US" dirty="0"/>
+              <a:t> has an “out-of-the-box” Multilayer Perceptron Object</a:t>
+            </a:r>
+          </a:p>
+          <a:p>
+            <a:endParaRPr lang="en-US" dirty="0"/>
+          </a:p>
+          <a:p>
+            <a:endParaRPr lang="en-US" dirty="0"/>
+          </a:p>
+          <a:p>
+            <a:r>
+              <a:rPr lang="en-US" dirty="0"/>
+              <a:t>Can be fitted with Stochastic Gradient Descent</a:t>
+            </a:r>
+          </a:p>
+          <a:p>
+            <a:endParaRPr lang="en-US" dirty="0"/>
+          </a:p>
+          <a:p>
+            <a:endParaRPr lang="en-US" dirty="0"/>
+          </a:p>
+          <a:p>
+            <a:r>
+              <a:rPr lang="en-US" dirty="0"/>
+              <a:t>Can adjust various hyper-parameters as well</a:t>
+            </a:r>
+          </a:p>
+          <a:p>
+            <a:pPr lvl="1"/>
+            <a:r>
+              <a:rPr lang="en-US" dirty="0"/>
+              <a:t>Learning Rate, Solver Method, Maximum iterations, Tolerance, etc.</a:t>
+            </a:r>
+          </a:p>
+        </p:txBody>
+      </p:sp>
+    </p:spTree>
+    <p:extLst>
+      <p:ext uri="{BB962C8B-B14F-4D97-AF65-F5344CB8AC3E}">
+        <p14:creationId xmlns:p14="http://schemas.microsoft.com/office/powerpoint/2010/main" val="389627279"/>
+      </p:ext>
+    </p:extLst>
+  </p:cSld>
+  <p:clrMapOvr>
+    <a:masterClrMapping/>
+  </p:clrMapOvr>
+</p:sld>
+</file>
+
+<file path=ppt/slides/slide19.xml><?xml version="1.0" encoding="utf-8"?>
+<p:sld xmlns:a="http://schemas.openxmlformats.org/drawingml/2006/main" xmlns:r="http://schemas.openxmlformats.org/officeDocument/2006/relationships" xmlns:p="http://schemas.openxmlformats.org/presentationml/2006/main">
+  <p:cSld>
+    <p:spTree>
+      <p:nvGrpSpPr>
+        <p:cNvPr id="1" name=""/>
+        <p:cNvGrpSpPr/>
+        <p:nvPr/>
+      </p:nvGrpSpPr>
+      <p:grpSpPr>
+        <a:xfrm>
+          <a:off x="0" y="0"/>
+          <a:ext cx="0" cy="0"/>
+          <a:chOff x="0" y="0"/>
+          <a:chExt cx="0" cy="0"/>
+        </a:xfrm>
+      </p:grpSpPr>
+      <p:sp>
+        <p:nvSpPr>
+          <p:cNvPr id="2" name="Title 1">
+            <a:extLst>
+              <a:ext uri="{FF2B5EF4-FFF2-40B4-BE49-F238E27FC236}">
+                <a16:creationId xmlns:a16="http://schemas.microsoft.com/office/drawing/2014/main" id="{7D9FBF71-07BC-4FF7-A9D1-2AE2938D93F1}"/>
+              </a:ext>
+            </a:extLst>
+          </p:cNvPr>
+          <p:cNvSpPr>
+            <a:spLocks noGrp="1"/>
+          </p:cNvSpPr>
+          <p:nvPr>
+            <p:ph type="title"/>
+          </p:nvPr>
+        </p:nvSpPr>
+        <p:spPr/>
+        <p:txBody>
+          <a:bodyPr/>
+          <a:lstStyle/>
+          <a:p>
+            <a:r>
+              <a:rPr lang="en-US" dirty="0"/>
+              <a:t>“Off of the Shelf”</a:t>
+            </a:r>
+          </a:p>
+        </p:txBody>
+      </p:sp>
+      <p:sp>
+        <p:nvSpPr>
+          <p:cNvPr id="3" name="Content Placeholder 2">
+            <a:extLst>
+              <a:ext uri="{FF2B5EF4-FFF2-40B4-BE49-F238E27FC236}">
+                <a16:creationId xmlns:a16="http://schemas.microsoft.com/office/drawing/2014/main" id="{5D50DC14-AF86-476F-A97F-7631EAD0A9C5}"/>
+              </a:ext>
+            </a:extLst>
+          </p:cNvPr>
+          <p:cNvSpPr>
+            <a:spLocks noGrp="1"/>
+          </p:cNvSpPr>
+          <p:nvPr>
+            <p:ph idx="1"/>
+          </p:nvPr>
+        </p:nvSpPr>
+        <p:spPr/>
+        <p:txBody>
+          <a:bodyPr/>
+          <a:lstStyle/>
+          <a:p>
+            <a:r>
+              <a:rPr lang="en-US" dirty="0"/>
+              <a:t>Easy Implementation, Great documentation</a:t>
+            </a:r>
+          </a:p>
+          <a:p>
+            <a:endParaRPr lang="en-US" dirty="0"/>
+          </a:p>
+          <a:p>
+            <a:endParaRPr lang="en-US" dirty="0"/>
+          </a:p>
+          <a:p>
+            <a:r>
+              <a:rPr lang="en-US" dirty="0"/>
+              <a:t>Several layers of Error Handling</a:t>
+            </a:r>
+          </a:p>
+          <a:p>
+            <a:endParaRPr lang="en-US" dirty="0"/>
+          </a:p>
+          <a:p>
+            <a:endParaRPr lang="en-US" dirty="0"/>
+          </a:p>
+          <a:p>
+            <a:r>
+              <a:rPr lang="en-US" dirty="0"/>
+              <a:t>Tendency to slow things down – made for most general case</a:t>
+            </a:r>
+          </a:p>
+        </p:txBody>
+      </p:sp>
+    </p:spTree>
+    <p:extLst>
+      <p:ext uri="{BB962C8B-B14F-4D97-AF65-F5344CB8AC3E}">
+        <p14:creationId xmlns:p14="http://schemas.microsoft.com/office/powerpoint/2010/main" val="2423270003"/>
+      </p:ext>
+    </p:extLst>
+  </p:cSld>
+  <p:clrMapOvr>
+    <a:masterClrMapping/>
+  </p:clrMapOvr>
+</p:sld>
+</file>
+
 <file path=ppt/slides/slide2.xml><?xml version="1.0" encoding="utf-8"?>
 <p:sld xmlns:a="http://schemas.openxmlformats.org/drawingml/2006/main" xmlns:r="http://schemas.openxmlformats.org/officeDocument/2006/relationships" xmlns:p="http://schemas.openxmlformats.org/presentationml/2006/main">
   <p:cSld>
@@ -6282,6 +6784,443 @@
     <p:extLst>
       <p:ext uri="{BB962C8B-B14F-4D97-AF65-F5344CB8AC3E}">
         <p14:creationId xmlns:p14="http://schemas.microsoft.com/office/powerpoint/2010/main" val="2681994650"/>
+      </p:ext>
+    </p:extLst>
+  </p:cSld>
+  <p:clrMapOvr>
+    <a:masterClrMapping/>
+  </p:clrMapOvr>
+</p:sld>
+</file>
+
+<file path=ppt/slides/slide20.xml><?xml version="1.0" encoding="utf-8"?>
+<p:sld xmlns:a="http://schemas.openxmlformats.org/drawingml/2006/main" xmlns:r="http://schemas.openxmlformats.org/officeDocument/2006/relationships" xmlns:p="http://schemas.openxmlformats.org/presentationml/2006/main">
+  <p:cSld>
+    <p:spTree>
+      <p:nvGrpSpPr>
+        <p:cNvPr id="1" name=""/>
+        <p:cNvGrpSpPr/>
+        <p:nvPr/>
+      </p:nvGrpSpPr>
+      <p:grpSpPr>
+        <a:xfrm>
+          <a:off x="0" y="0"/>
+          <a:ext cx="0" cy="0"/>
+          <a:chOff x="0" y="0"/>
+          <a:chExt cx="0" cy="0"/>
+        </a:xfrm>
+      </p:grpSpPr>
+      <p:sp>
+        <p:nvSpPr>
+          <p:cNvPr id="2" name="Title 1">
+            <a:extLst>
+              <a:ext uri="{FF2B5EF4-FFF2-40B4-BE49-F238E27FC236}">
+                <a16:creationId xmlns:a16="http://schemas.microsoft.com/office/drawing/2014/main" id="{5D0755E2-D06D-4A76-9F39-CE07423347FC}"/>
+              </a:ext>
+            </a:extLst>
+          </p:cNvPr>
+          <p:cNvSpPr>
+            <a:spLocks noGrp="1"/>
+          </p:cNvSpPr>
+          <p:nvPr>
+            <p:ph type="title"/>
+          </p:nvPr>
+        </p:nvSpPr>
+        <p:spPr/>
+        <p:txBody>
+          <a:bodyPr/>
+          <a:lstStyle/>
+          <a:p>
+            <a:r>
+              <a:rPr lang="en-US" dirty="0"/>
+              <a:t>Stochastic Fitting</a:t>
+            </a:r>
+          </a:p>
+        </p:txBody>
+      </p:sp>
+      <p:sp>
+        <p:nvSpPr>
+          <p:cNvPr id="3" name="Content Placeholder 2">
+            <a:extLst>
+              <a:ext uri="{FF2B5EF4-FFF2-40B4-BE49-F238E27FC236}">
+                <a16:creationId xmlns:a16="http://schemas.microsoft.com/office/drawing/2014/main" id="{18DE78AF-4117-4320-9B5D-258E7DBAA931}"/>
+              </a:ext>
+            </a:extLst>
+          </p:cNvPr>
+          <p:cNvSpPr>
+            <a:spLocks noGrp="1"/>
+          </p:cNvSpPr>
+          <p:nvPr>
+            <p:ph idx="1"/>
+          </p:nvPr>
+        </p:nvSpPr>
+        <p:spPr/>
+        <p:txBody>
+          <a:bodyPr/>
+          <a:lstStyle/>
+          <a:p>
+            <a:r>
+              <a:rPr lang="en-US" dirty="0"/>
+              <a:t>Requires feature matrix </a:t>
+            </a:r>
+            <a:r>
+              <a:rPr lang="en-US" i="1" dirty="0"/>
+              <a:t>X</a:t>
+            </a:r>
+            <a:r>
+              <a:rPr lang="en-US" dirty="0"/>
+              <a:t> and target vector, </a:t>
+            </a:r>
+            <a:r>
+              <a:rPr lang="en-US" i="1" dirty="0"/>
+              <a:t>y</a:t>
+            </a:r>
+          </a:p>
+          <a:p>
+            <a:endParaRPr lang="en-US" dirty="0"/>
+          </a:p>
+          <a:p>
+            <a:endParaRPr lang="en-US" dirty="0"/>
+          </a:p>
+          <a:p>
+            <a:r>
+              <a:rPr lang="en-US" dirty="0"/>
+              <a:t>Uses “mini batches” of data, implements forward passes</a:t>
+            </a:r>
+          </a:p>
+          <a:p>
+            <a:pPr marL="0" indent="0">
+              <a:buNone/>
+            </a:pPr>
+            <a:endParaRPr lang="en-US" dirty="0"/>
+          </a:p>
+          <a:p>
+            <a:endParaRPr lang="en-US" dirty="0"/>
+          </a:p>
+          <a:p>
+            <a:r>
+              <a:rPr lang="en-US" dirty="0"/>
+              <a:t>First place to implement approximate computations</a:t>
+            </a:r>
+          </a:p>
+          <a:p>
+            <a:endParaRPr lang="en-US" dirty="0"/>
+          </a:p>
+          <a:p>
+            <a:endParaRPr lang="en-US" dirty="0"/>
+          </a:p>
+          <a:p>
+            <a:r>
+              <a:rPr lang="en-US" dirty="0"/>
+              <a:t>Exact cost function can be inputted by user</a:t>
+            </a:r>
+          </a:p>
+        </p:txBody>
+      </p:sp>
+    </p:spTree>
+    <p:extLst>
+      <p:ext uri="{BB962C8B-B14F-4D97-AF65-F5344CB8AC3E}">
+        <p14:creationId xmlns:p14="http://schemas.microsoft.com/office/powerpoint/2010/main" val="3555829914"/>
+      </p:ext>
+    </p:extLst>
+  </p:cSld>
+  <p:clrMapOvr>
+    <a:masterClrMapping/>
+  </p:clrMapOvr>
+</p:sld>
+</file>
+
+<file path=ppt/slides/slide21.xml><?xml version="1.0" encoding="utf-8"?>
+<p:sld xmlns:a="http://schemas.openxmlformats.org/drawingml/2006/main" xmlns:r="http://schemas.openxmlformats.org/officeDocument/2006/relationships" xmlns:p="http://schemas.openxmlformats.org/presentationml/2006/main">
+  <p:cSld>
+    <p:spTree>
+      <p:nvGrpSpPr>
+        <p:cNvPr id="1" name=""/>
+        <p:cNvGrpSpPr/>
+        <p:nvPr/>
+      </p:nvGrpSpPr>
+      <p:grpSpPr>
+        <a:xfrm>
+          <a:off x="0" y="0"/>
+          <a:ext cx="0" cy="0"/>
+          <a:chOff x="0" y="0"/>
+          <a:chExt cx="0" cy="0"/>
+        </a:xfrm>
+      </p:grpSpPr>
+      <p:sp>
+        <p:nvSpPr>
+          <p:cNvPr id="2" name="Title 1">
+            <a:extLst>
+              <a:ext uri="{FF2B5EF4-FFF2-40B4-BE49-F238E27FC236}">
+                <a16:creationId xmlns:a16="http://schemas.microsoft.com/office/drawing/2014/main" id="{281A53AC-0823-4840-8C2E-B9FDBB62D5DE}"/>
+              </a:ext>
+            </a:extLst>
+          </p:cNvPr>
+          <p:cNvSpPr>
+            <a:spLocks noGrp="1"/>
+          </p:cNvSpPr>
+          <p:nvPr>
+            <p:ph type="title"/>
+          </p:nvPr>
+        </p:nvSpPr>
+        <p:spPr/>
+        <p:txBody>
+          <a:bodyPr/>
+          <a:lstStyle/>
+          <a:p>
+            <a:r>
+              <a:rPr lang="en-US" dirty="0"/>
+              <a:t>Back Propagation</a:t>
+            </a:r>
+          </a:p>
+        </p:txBody>
+      </p:sp>
+      <p:sp>
+        <p:nvSpPr>
+          <p:cNvPr id="3" name="Content Placeholder 2">
+            <a:extLst>
+              <a:ext uri="{FF2B5EF4-FFF2-40B4-BE49-F238E27FC236}">
+                <a16:creationId xmlns:a16="http://schemas.microsoft.com/office/drawing/2014/main" id="{255F2643-C7DA-4B66-A11D-94CDE5B1CC23}"/>
+              </a:ext>
+            </a:extLst>
+          </p:cNvPr>
+          <p:cNvSpPr>
+            <a:spLocks noGrp="1"/>
+          </p:cNvSpPr>
+          <p:nvPr>
+            <p:ph idx="1"/>
+          </p:nvPr>
+        </p:nvSpPr>
+        <p:spPr/>
+        <p:txBody>
+          <a:bodyPr/>
+          <a:lstStyle/>
+          <a:p>
+            <a:endParaRPr lang="en-US" dirty="0"/>
+          </a:p>
+          <a:p>
+            <a:endParaRPr lang="en-US" dirty="0"/>
+          </a:p>
+          <a:p>
+            <a:endParaRPr lang="en-US" dirty="0"/>
+          </a:p>
+          <a:p>
+            <a:r>
+              <a:rPr lang="en-US" dirty="0"/>
+              <a:t>Compares network output to expected target</a:t>
+            </a:r>
+          </a:p>
+          <a:p>
+            <a:endParaRPr lang="en-US" dirty="0"/>
+          </a:p>
+          <a:p>
+            <a:r>
+              <a:rPr lang="en-US" dirty="0"/>
+              <a:t>Fitting method uses SGD on its back propagation algorithm</a:t>
+            </a:r>
+          </a:p>
+          <a:p>
+            <a:endParaRPr lang="en-US" dirty="0"/>
+          </a:p>
+          <a:p>
+            <a:r>
+              <a:rPr lang="en-US" dirty="0"/>
+              <a:t>Computes discrete gradient values</a:t>
+            </a:r>
+          </a:p>
+          <a:p>
+            <a:endParaRPr lang="en-US" dirty="0"/>
+          </a:p>
+          <a:p>
+            <a:r>
+              <a:rPr lang="en-US" dirty="0"/>
+              <a:t>Used changes to update weighting matrices</a:t>
+            </a:r>
+          </a:p>
+          <a:p>
+            <a:endParaRPr lang="en-US" dirty="0"/>
+          </a:p>
+          <a:p>
+            <a:endParaRPr lang="en-US" dirty="0"/>
+          </a:p>
+          <a:p>
+            <a:pPr marL="0" indent="0">
+              <a:buNone/>
+            </a:pPr>
+            <a:endParaRPr lang="en-US" dirty="0"/>
+          </a:p>
+          <a:p>
+            <a:pPr marL="0" indent="0">
+              <a:buNone/>
+            </a:pPr>
+            <a:endParaRPr lang="en-US" dirty="0"/>
+          </a:p>
+          <a:p>
+            <a:endParaRPr lang="en-US" dirty="0"/>
+          </a:p>
+        </p:txBody>
+      </p:sp>
+    </p:spTree>
+    <p:extLst>
+      <p:ext uri="{BB962C8B-B14F-4D97-AF65-F5344CB8AC3E}">
+        <p14:creationId xmlns:p14="http://schemas.microsoft.com/office/powerpoint/2010/main" val="2761404687"/>
+      </p:ext>
+    </p:extLst>
+  </p:cSld>
+  <p:clrMapOvr>
+    <a:masterClrMapping/>
+  </p:clrMapOvr>
+</p:sld>
+</file>
+
+<file path=ppt/slides/slide22.xml><?xml version="1.0" encoding="utf-8"?>
+<p:sld xmlns:a="http://schemas.openxmlformats.org/drawingml/2006/main" xmlns:r="http://schemas.openxmlformats.org/officeDocument/2006/relationships" xmlns:p="http://schemas.openxmlformats.org/presentationml/2006/main">
+  <p:cSld>
+    <p:spTree>
+      <p:nvGrpSpPr>
+        <p:cNvPr id="1" name=""/>
+        <p:cNvGrpSpPr/>
+        <p:nvPr/>
+      </p:nvGrpSpPr>
+      <p:grpSpPr>
+        <a:xfrm>
+          <a:off x="0" y="0"/>
+          <a:ext cx="0" cy="0"/>
+          <a:chOff x="0" y="0"/>
+          <a:chExt cx="0" cy="0"/>
+        </a:xfrm>
+      </p:grpSpPr>
+      <p:sp>
+        <p:nvSpPr>
+          <p:cNvPr id="2" name="Title 1">
+            <a:extLst>
+              <a:ext uri="{FF2B5EF4-FFF2-40B4-BE49-F238E27FC236}">
+                <a16:creationId xmlns:a16="http://schemas.microsoft.com/office/drawing/2014/main" id="{F099E03B-8651-4B19-A63F-7C5B90B67CF5}"/>
+              </a:ext>
+            </a:extLst>
+          </p:cNvPr>
+          <p:cNvSpPr>
+            <a:spLocks noGrp="1"/>
+          </p:cNvSpPr>
+          <p:nvPr>
+            <p:ph type="title"/>
+          </p:nvPr>
+        </p:nvSpPr>
+        <p:spPr/>
+        <p:txBody>
+          <a:bodyPr/>
+          <a:lstStyle/>
+          <a:p>
+            <a:r>
+              <a:rPr lang="en-US" dirty="0"/>
+              <a:t>Resources</a:t>
+            </a:r>
+          </a:p>
+        </p:txBody>
+      </p:sp>
+      <p:sp>
+        <p:nvSpPr>
+          <p:cNvPr id="3" name="Content Placeholder 2">
+            <a:extLst>
+              <a:ext uri="{FF2B5EF4-FFF2-40B4-BE49-F238E27FC236}">
+                <a16:creationId xmlns:a16="http://schemas.microsoft.com/office/drawing/2014/main" id="{EBD89656-5D0B-48B7-BFC4-3F8DFC7EB879}"/>
+              </a:ext>
+            </a:extLst>
+          </p:cNvPr>
+          <p:cNvSpPr>
+            <a:spLocks noGrp="1"/>
+          </p:cNvSpPr>
+          <p:nvPr>
+            <p:ph idx="1"/>
+          </p:nvPr>
+        </p:nvSpPr>
+        <p:spPr/>
+        <p:txBody>
+          <a:bodyPr/>
+          <a:lstStyle/>
+          <a:p>
+            <a:r>
+              <a:rPr lang="en-US" dirty="0" err="1"/>
+              <a:t>Geron</a:t>
+            </a:r>
+            <a:r>
+              <a:rPr lang="en-US" dirty="0"/>
+              <a:t>, </a:t>
+            </a:r>
+            <a:r>
+              <a:rPr lang="en-US" dirty="0" err="1"/>
+              <a:t>Aurelien</a:t>
+            </a:r>
+            <a:r>
+              <a:rPr lang="en-US" dirty="0"/>
+              <a:t>. Hands-on Machine Learning with </a:t>
+            </a:r>
+            <a:r>
+              <a:rPr lang="en-US" dirty="0" err="1"/>
+              <a:t>Scikit</a:t>
+            </a:r>
+            <a:r>
+              <a:rPr lang="en-US" dirty="0"/>
+              <a:t>-Learn and TensorFlow: Concepts, Tools, and Techniques to Build Intelligent Systems. O’Reilly, 2017.</a:t>
+            </a:r>
+          </a:p>
+          <a:p>
+            <a:r>
+              <a:rPr lang="en-US" dirty="0"/>
+              <a:t>Goodfellow, Ian, et </a:t>
+            </a:r>
+            <a:r>
+              <a:rPr lang="en-US" dirty="0" err="1"/>
+              <a:t>al.Deep</a:t>
+            </a:r>
+            <a:r>
+              <a:rPr lang="en-US" dirty="0"/>
+              <a:t> Learning. MIT Press, 2017.</a:t>
+            </a:r>
+          </a:p>
+          <a:p>
+            <a:r>
+              <a:rPr lang="en-US" dirty="0"/>
+              <a:t>James, Gareth, et al. An Introduction to Statistical Learning with Applications in R. Springer, 2017.</a:t>
+            </a:r>
+          </a:p>
+          <a:p>
+            <a:r>
+              <a:rPr lang="en-US" dirty="0"/>
+              <a:t>Petrik, Marek. “Introduction to Machine Learning.” Machine Learning. 04 March 2020, Durham, New Hampshire</a:t>
+            </a:r>
+          </a:p>
+          <a:p>
+            <a:r>
+              <a:rPr lang="en-US" dirty="0"/>
+              <a:t>Sanderson, Grant. </a:t>
+            </a:r>
+            <a:r>
+              <a:rPr lang="en-US" i="1" dirty="0"/>
+              <a:t>But What Is A Neural Network?</a:t>
+            </a:r>
+            <a:r>
+              <a:rPr lang="en-US" dirty="0"/>
+              <a:t> </a:t>
+            </a:r>
+            <a:r>
+              <a:rPr lang="en-US" i="1" dirty="0"/>
+              <a:t>3Blue1Brown</a:t>
+            </a:r>
+            <a:r>
+              <a:rPr lang="en-US" dirty="0"/>
+              <a:t>, www.3blue1brown.com/neural-networks.</a:t>
+            </a:r>
+          </a:p>
+          <a:p>
+            <a:endParaRPr lang="en-US" dirty="0"/>
+          </a:p>
+        </p:txBody>
+      </p:sp>
+    </p:spTree>
+    <p:extLst>
+      <p:ext uri="{BB962C8B-B14F-4D97-AF65-F5344CB8AC3E}">
+        <p14:creationId xmlns:p14="http://schemas.microsoft.com/office/powerpoint/2010/main" val="2876705770"/>
       </p:ext>
     </p:extLst>
   </p:cSld>
@@ -6761,7 +7700,15 @@
           <a:p>
             <a:r>
               <a:rPr lang="en-US" sz="3200" dirty="0"/>
-              <a:t>Common Architecture</a:t>
+              <a:t>Common Architecture (</a:t>
+            </a:r>
+            <a:r>
+              <a:rPr lang="en-US" sz="3200" dirty="0" err="1"/>
+              <a:t>Geron</a:t>
+            </a:r>
+            <a:r>
+              <a:rPr lang="en-US" sz="3200" dirty="0"/>
+              <a:t>)</a:t>
             </a:r>
           </a:p>
           <a:p>
@@ -6786,10 +7733,10 @@
             <a:endParaRPr lang="en-US" sz="3200" dirty="0"/>
           </a:p>
           <a:p>
-            <a:pPr marL="0" indent="0">
-              <a:buNone/>
-            </a:pPr>
-            <a:endParaRPr lang="en-US" dirty="0"/>
+            <a:r>
+              <a:rPr lang="en-US" sz="3200" dirty="0"/>
+              <a:t>Developed in 1980’s</a:t>
+            </a:r>
           </a:p>
         </p:txBody>
       </p:sp>
@@ -7226,7 +8173,7 @@
             </p:spPr>
             <p:txBody>
               <a:bodyPr>
-                <a:normAutofit/>
+                <a:normAutofit lnSpcReduction="10000"/>
               </a:bodyPr>
               <a:lstStyle/>
               <a:p>
@@ -8346,7 +9293,7 @@
               <a:p>
                 <a:r>
                   <a:rPr lang="en-US" dirty="0"/>
-                  <a:t>The Feed-forward system is a series of matrix multiplications</a:t>
+                  <a:t>The Feed-forward system is a series of matrix multiplications (Sanderson)</a:t>
                 </a:r>
               </a:p>
             </p:txBody>
@@ -8377,7 +9324,7 @@
               <a:blipFill>
                 <a:blip r:embed="rId2"/>
                 <a:stretch>
-                  <a:fillRect l="-583" b="-714"/>
+                  <a:fillRect l="-583" b="-833"/>
                 </a:stretch>
               </a:blipFill>
             </p:spPr>
@@ -8616,14 +9563,6 @@
 <file path=ppt/slides/slide7.xml><?xml version="1.0" encoding="utf-8"?>
 <p:sld xmlns:a="http://schemas.openxmlformats.org/drawingml/2006/main" xmlns:r="http://schemas.openxmlformats.org/officeDocument/2006/relationships" xmlns:p="http://schemas.openxmlformats.org/presentationml/2006/main">
   <p:cSld>
-    <p:bg>
-      <p:bgPr>
-        <a:solidFill>
-          <a:schemeClr val="bg1"/>
-        </a:solidFill>
-        <a:effectLst/>
-      </p:bgPr>
-    </p:bg>
     <p:spTree>
       <p:nvGrpSpPr>
         <p:cNvPr id="1" name=""/>
@@ -8640,406 +9579,14 @@
       </p:grpSpPr>
       <p:sp>
         <p:nvSpPr>
-          <p:cNvPr id="8" name="Rectangle 7">
+          <p:cNvPr id="2" name="Title 1">
             <a:extLst>
               <a:ext uri="{FF2B5EF4-FFF2-40B4-BE49-F238E27FC236}">
-                <a16:creationId xmlns:a16="http://schemas.microsoft.com/office/drawing/2014/main" id="{C162DF2A-64D1-4AA9-BA42-8A4063EADE09}"/>
-              </a:ext>
-              <a:ext uri="{C183D7F6-B498-43B3-948B-1728B52AA6E4}">
-                <adec:decorative xmlns:adec="http://schemas.microsoft.com/office/drawing/2017/decorative" val="1"/>
+                <a16:creationId xmlns:a16="http://schemas.microsoft.com/office/drawing/2014/main" id="{48A5F1B1-6149-4B93-9B83-7E56C0711623}"/>
               </a:ext>
             </a:extLst>
           </p:cNvPr>
           <p:cNvSpPr>
-            <a:spLocks noGrp="1" noRot="1" noChangeAspect="1" noMove="1" noResize="1" noEditPoints="1" noAdjustHandles="1" noChangeArrowheads="1" noChangeShapeType="1" noTextEdit="1"/>
-          </p:cNvSpPr>
-          <p:nvPr>
-            <p:extLst>
-              <p:ext uri="{386F3935-93C4-4BCD-93E2-E3B085C9AB24}">
-                <p16:designElem xmlns:p16="http://schemas.microsoft.com/office/powerpoint/2015/main" val="1"/>
-              </p:ext>
-            </p:extLst>
-          </p:nvPr>
-        </p:nvSpPr>
-        <p:spPr>
-          <a:xfrm>
-            <a:off x="0" y="761999"/>
-            <a:ext cx="9141619" cy="5334001"/>
-          </a:xfrm>
-          <a:prstGeom prst="rect">
-            <a:avLst/>
-          </a:prstGeom>
-          <a:solidFill>
-            <a:schemeClr val="accent1"/>
-          </a:solidFill>
-          <a:ln>
-            <a:noFill/>
-          </a:ln>
-        </p:spPr>
-        <p:style>
-          <a:lnRef idx="2">
-            <a:schemeClr val="accent1">
-              <a:shade val="50000"/>
-            </a:schemeClr>
-          </a:lnRef>
-          <a:fillRef idx="1">
-            <a:schemeClr val="accent1"/>
-          </a:fillRef>
-          <a:effectRef idx="0">
-            <a:schemeClr val="accent1"/>
-          </a:effectRef>
-          <a:fontRef idx="minor">
-            <a:schemeClr val="lt1"/>
-          </a:fontRef>
-        </p:style>
-      </p:sp>
-      <p:sp>
-        <p:nvSpPr>
-          <p:cNvPr id="10" name="Rectangle 9">
-            <a:extLst>
-              <a:ext uri="{FF2B5EF4-FFF2-40B4-BE49-F238E27FC236}">
-                <a16:creationId xmlns:a16="http://schemas.microsoft.com/office/drawing/2014/main" id="{5D7C1373-63AF-4A75-909E-990E05356670}"/>
-              </a:ext>
-              <a:ext uri="{C183D7F6-B498-43B3-948B-1728B52AA6E4}">
-                <adec:decorative xmlns:adec="http://schemas.microsoft.com/office/drawing/2017/decorative" val="1"/>
-              </a:ext>
-            </a:extLst>
-          </p:cNvPr>
-          <p:cNvSpPr>
-            <a:spLocks noGrp="1" noRot="1" noChangeAspect="1" noMove="1" noResize="1" noEditPoints="1" noAdjustHandles="1" noChangeArrowheads="1" noChangeShapeType="1" noTextEdit="1"/>
-          </p:cNvSpPr>
-          <p:nvPr>
-            <p:extLst>
-              <p:ext uri="{386F3935-93C4-4BCD-93E2-E3B085C9AB24}">
-                <p16:designElem xmlns:p16="http://schemas.microsoft.com/office/powerpoint/2015/main" val="1"/>
-              </p:ext>
-            </p:extLst>
-          </p:nvPr>
-        </p:nvSpPr>
-        <p:spPr>
-          <a:xfrm>
-            <a:off x="9270263" y="761999"/>
-            <a:ext cx="2925318" cy="5334001"/>
-          </a:xfrm>
-          <a:prstGeom prst="rect">
-            <a:avLst/>
-          </a:prstGeom>
-          <a:solidFill>
-            <a:srgbClr val="C8C8C8">
-              <a:alpha val="49804"/>
-            </a:srgbClr>
-          </a:solidFill>
-          <a:ln>
-            <a:noFill/>
-          </a:ln>
-        </p:spPr>
-        <p:style>
-          <a:lnRef idx="2">
-            <a:schemeClr val="accent1">
-              <a:shade val="50000"/>
-            </a:schemeClr>
-          </a:lnRef>
-          <a:fillRef idx="1">
-            <a:schemeClr val="accent1"/>
-          </a:fillRef>
-          <a:effectRef idx="0">
-            <a:schemeClr val="accent1"/>
-          </a:effectRef>
-          <a:fontRef idx="minor">
-            <a:schemeClr val="lt1"/>
-          </a:fontRef>
-        </p:style>
-      </p:sp>
-      <p:sp useBgFill="1">
-        <p:nvSpPr>
-          <p:cNvPr id="12" name="Rectangle 11">
-            <a:extLst>
-              <a:ext uri="{FF2B5EF4-FFF2-40B4-BE49-F238E27FC236}">
-                <a16:creationId xmlns:a16="http://schemas.microsoft.com/office/drawing/2014/main" id="{827C386B-FBEE-434F-B519-2A935AF426D4}"/>
-              </a:ext>
-              <a:ext uri="{C183D7F6-B498-43B3-948B-1728B52AA6E4}">
-                <adec:decorative xmlns:adec="http://schemas.microsoft.com/office/drawing/2017/decorative" val="1"/>
-              </a:ext>
-            </a:extLst>
-          </p:cNvPr>
-          <p:cNvSpPr>
-            <a:spLocks noGrp="1" noRot="1" noChangeAspect="1" noMove="1" noResize="1" noEditPoints="1" noAdjustHandles="1" noChangeArrowheads="1" noChangeShapeType="1" noTextEdit="1"/>
-          </p:cNvSpPr>
-          <p:nvPr>
-            <p:extLst>
-              <p:ext uri="{386F3935-93C4-4BCD-93E2-E3B085C9AB24}">
-                <p16:designElem xmlns:p16="http://schemas.microsoft.com/office/powerpoint/2015/main" val="1"/>
-              </p:ext>
-            </p:extLst>
-          </p:nvPr>
-        </p:nvSpPr>
-        <p:spPr>
-          <a:xfrm>
-            <a:off x="0" y="0"/>
-            <a:ext cx="12192000" cy="6858000"/>
-          </a:xfrm>
-          <a:prstGeom prst="rect">
-            <a:avLst/>
-          </a:prstGeom>
-          <a:ln>
-            <a:noFill/>
-          </a:ln>
-        </p:spPr>
-        <p:style>
-          <a:lnRef idx="2">
-            <a:schemeClr val="accent1">
-              <a:shade val="50000"/>
-            </a:schemeClr>
-          </a:lnRef>
-          <a:fillRef idx="1">
-            <a:schemeClr val="accent1"/>
-          </a:fillRef>
-          <a:effectRef idx="0">
-            <a:schemeClr val="accent1"/>
-          </a:effectRef>
-          <a:fontRef idx="minor">
-            <a:schemeClr val="lt1"/>
-          </a:fontRef>
-        </p:style>
-        <p:txBody>
-          <a:bodyPr rtlCol="0" anchor="ctr"/>
-          <a:lstStyle/>
-          <a:p>
-            <a:pPr algn="ctr"/>
-            <a:endParaRPr lang="en-US" dirty="0"/>
-          </a:p>
-        </p:txBody>
-      </p:sp>
-      <p:sp>
-        <p:nvSpPr>
-          <p:cNvPr id="2" name="Title 1">
-            <a:extLst>
-              <a:ext uri="{FF2B5EF4-FFF2-40B4-BE49-F238E27FC236}">
-                <a16:creationId xmlns:a16="http://schemas.microsoft.com/office/drawing/2014/main" id="{C3DB2275-348B-4D26-B528-EA094A4AA1B5}"/>
-              </a:ext>
-            </a:extLst>
-          </p:cNvPr>
-          <p:cNvSpPr>
-            <a:spLocks noGrp="1"/>
-          </p:cNvSpPr>
-          <p:nvPr>
-            <p:ph type="title"/>
-          </p:nvPr>
-        </p:nvSpPr>
-        <p:spPr>
-          <a:xfrm>
-            <a:off x="1516351" y="772833"/>
-            <a:ext cx="6597678" cy="3840384"/>
-          </a:xfrm>
-        </p:spPr>
-        <p:txBody>
-          <a:bodyPr vert="horz" lIns="91440" tIns="45720" rIns="91440" bIns="45720" rtlCol="0" anchor="b">
-            <a:normAutofit/>
-          </a:bodyPr>
-          <a:lstStyle/>
-          <a:p>
-            <a:r>
-              <a:rPr lang="en-US" sz="6000">
-                <a:solidFill>
-                  <a:schemeClr val="tx1"/>
-                </a:solidFill>
-              </a:rPr>
-              <a:t>The Cost Function</a:t>
-            </a:r>
-          </a:p>
-        </p:txBody>
-      </p:sp>
-      <p:sp>
-        <p:nvSpPr>
-          <p:cNvPr id="3" name="Text Placeholder 2">
-            <a:extLst>
-              <a:ext uri="{FF2B5EF4-FFF2-40B4-BE49-F238E27FC236}">
-                <a16:creationId xmlns:a16="http://schemas.microsoft.com/office/drawing/2014/main" id="{F8AEEDCA-0C4A-4B22-9C50-638F8FCCD741}"/>
-              </a:ext>
-            </a:extLst>
-          </p:cNvPr>
-          <p:cNvSpPr>
-            <a:spLocks noGrp="1"/>
-          </p:cNvSpPr>
-          <p:nvPr>
-            <p:ph type="body" idx="1"/>
-          </p:nvPr>
-        </p:nvSpPr>
-        <p:spPr>
-          <a:xfrm>
-            <a:off x="1524009" y="4613218"/>
-            <a:ext cx="6590020" cy="1490566"/>
-          </a:xfrm>
-        </p:spPr>
-        <p:txBody>
-          <a:bodyPr vert="horz" lIns="91440" tIns="45720" rIns="91440" bIns="45720" rtlCol="0" anchor="t">
-            <a:normAutofit/>
-          </a:bodyPr>
-          <a:lstStyle/>
-          <a:p>
-            <a:r>
-              <a:rPr lang="en-US" sz="3200">
-                <a:solidFill>
-                  <a:schemeClr val="accent1"/>
-                </a:solidFill>
-              </a:rPr>
-              <a:t>The function to minimize </a:t>
-            </a:r>
-          </a:p>
-        </p:txBody>
-      </p:sp>
-      <p:sp>
-        <p:nvSpPr>
-          <p:cNvPr id="14" name="Rectangle 13">
-            <a:extLst>
-              <a:ext uri="{FF2B5EF4-FFF2-40B4-BE49-F238E27FC236}">
-                <a16:creationId xmlns:a16="http://schemas.microsoft.com/office/drawing/2014/main" id="{66085C62-ADF2-4CC0-B14D-F4B678F1165B}"/>
-              </a:ext>
-              <a:ext uri="{C183D7F6-B498-43B3-948B-1728B52AA6E4}">
-                <adec:decorative xmlns:adec="http://schemas.microsoft.com/office/drawing/2017/decorative" val="1"/>
-              </a:ext>
-            </a:extLst>
-          </p:cNvPr>
-          <p:cNvSpPr>
-            <a:spLocks noGrp="1" noRot="1" noChangeAspect="1" noMove="1" noResize="1" noEditPoints="1" noAdjustHandles="1" noChangeArrowheads="1" noChangeShapeType="1" noTextEdit="1"/>
-          </p:cNvSpPr>
-          <p:nvPr>
-            <p:extLst>
-              <p:ext uri="{386F3935-93C4-4BCD-93E2-E3B085C9AB24}">
-                <p16:designElem xmlns:p16="http://schemas.microsoft.com/office/powerpoint/2015/main" val="1"/>
-              </p:ext>
-            </p:extLst>
-          </p:nvPr>
-        </p:nvSpPr>
-        <p:spPr>
-          <a:xfrm>
-            <a:off x="0" y="772832"/>
-            <a:ext cx="1194619" cy="5330952"/>
-          </a:xfrm>
-          <a:prstGeom prst="rect">
-            <a:avLst/>
-          </a:prstGeom>
-          <a:solidFill>
-            <a:schemeClr val="accent1"/>
-          </a:solidFill>
-          <a:ln>
-            <a:noFill/>
-          </a:ln>
-        </p:spPr>
-        <p:style>
-          <a:lnRef idx="2">
-            <a:schemeClr val="accent1">
-              <a:shade val="50000"/>
-            </a:schemeClr>
-          </a:lnRef>
-          <a:fillRef idx="1">
-            <a:schemeClr val="accent1"/>
-          </a:fillRef>
-          <a:effectRef idx="0">
-            <a:schemeClr val="accent1"/>
-          </a:effectRef>
-          <a:fontRef idx="minor">
-            <a:schemeClr val="lt1"/>
-          </a:fontRef>
-        </p:style>
-      </p:sp>
-      <p:sp>
-        <p:nvSpPr>
-          <p:cNvPr id="16" name="Rectangle 15">
-            <a:extLst>
-              <a:ext uri="{FF2B5EF4-FFF2-40B4-BE49-F238E27FC236}">
-                <a16:creationId xmlns:a16="http://schemas.microsoft.com/office/drawing/2014/main" id="{034EF5D1-2322-4C79-BA38-EDD477732AC7}"/>
-              </a:ext>
-              <a:ext uri="{C183D7F6-B498-43B3-948B-1728B52AA6E4}">
-                <adec:decorative xmlns:adec="http://schemas.microsoft.com/office/drawing/2017/decorative" val="1"/>
-              </a:ext>
-            </a:extLst>
-          </p:cNvPr>
-          <p:cNvSpPr>
-            <a:spLocks noGrp="1" noRot="1" noChangeAspect="1" noMove="1" noResize="1" noEditPoints="1" noAdjustHandles="1" noChangeArrowheads="1" noChangeShapeType="1" noTextEdit="1"/>
-          </p:cNvSpPr>
-          <p:nvPr>
-            <p:extLst>
-              <p:ext uri="{386F3935-93C4-4BCD-93E2-E3B085C9AB24}">
-                <p16:designElem xmlns:p16="http://schemas.microsoft.com/office/powerpoint/2015/main" val="1"/>
-              </p:ext>
-            </p:extLst>
-          </p:nvPr>
-        </p:nvSpPr>
-        <p:spPr>
-          <a:xfrm>
-            <a:off x="9416784" y="758952"/>
-            <a:ext cx="2783126" cy="5330952"/>
-          </a:xfrm>
-          <a:prstGeom prst="rect">
-            <a:avLst/>
-          </a:prstGeom>
-          <a:solidFill>
-            <a:srgbClr val="C8C8C8">
-              <a:alpha val="49804"/>
-            </a:srgbClr>
-          </a:solidFill>
-          <a:ln>
-            <a:noFill/>
-          </a:ln>
-        </p:spPr>
-        <p:style>
-          <a:lnRef idx="2">
-            <a:schemeClr val="accent1">
-              <a:shade val="50000"/>
-            </a:schemeClr>
-          </a:lnRef>
-          <a:fillRef idx="1">
-            <a:schemeClr val="accent1"/>
-          </a:fillRef>
-          <a:effectRef idx="0">
-            <a:schemeClr val="accent1"/>
-          </a:effectRef>
-          <a:fontRef idx="minor">
-            <a:schemeClr val="lt1"/>
-          </a:fontRef>
-        </p:style>
-      </p:sp>
-    </p:spTree>
-    <p:extLst>
-      <p:ext uri="{BB962C8B-B14F-4D97-AF65-F5344CB8AC3E}">
-        <p14:creationId xmlns:p14="http://schemas.microsoft.com/office/powerpoint/2010/main" val="553704631"/>
-      </p:ext>
-    </p:extLst>
-  </p:cSld>
-  <p:clrMapOvr>
-    <a:masterClrMapping/>
-  </p:clrMapOvr>
-</p:sld>
-</file>
-
-<file path=ppt/slides/slide8.xml><?xml version="1.0" encoding="utf-8"?>
-<p:sld xmlns:a="http://schemas.openxmlformats.org/drawingml/2006/main" xmlns:r="http://schemas.openxmlformats.org/officeDocument/2006/relationships" xmlns:p="http://schemas.openxmlformats.org/presentationml/2006/main">
-  <p:cSld>
-    <p:spTree>
-      <p:nvGrpSpPr>
-        <p:cNvPr id="1" name=""/>
-        <p:cNvGrpSpPr/>
-        <p:nvPr/>
-      </p:nvGrpSpPr>
-      <p:grpSpPr>
-        <a:xfrm>
-          <a:off x="0" y="0"/>
-          <a:ext cx="0" cy="0"/>
-          <a:chOff x="0" y="0"/>
-          <a:chExt cx="0" cy="0"/>
-        </a:xfrm>
-      </p:grpSpPr>
-      <p:sp>
-        <p:nvSpPr>
-          <p:cNvPr id="2" name="Title 1">
-            <a:extLst>
-              <a:ext uri="{FF2B5EF4-FFF2-40B4-BE49-F238E27FC236}">
-                <a16:creationId xmlns:a16="http://schemas.microsoft.com/office/drawing/2014/main" id="{C8E40DC7-204A-40A2-828F-EADF87F44729}"/>
-              </a:ext>
-            </a:extLst>
-          </p:cNvPr>
-          <p:cNvSpPr>
             <a:spLocks noGrp="1"/>
           </p:cNvSpPr>
           <p:nvPr>
@@ -9053,135 +9600,19 @@
           <a:p>
             <a:r>
               <a:rPr lang="en-US" dirty="0"/>
-              <a:t>Nature of the Function</a:t>
-            </a:r>
-          </a:p>
-        </p:txBody>
-      </p:sp>
-      <p:sp>
-        <p:nvSpPr>
-          <p:cNvPr id="3" name="Content Placeholder 2">
-            <a:extLst>
-              <a:ext uri="{FF2B5EF4-FFF2-40B4-BE49-F238E27FC236}">
-                <a16:creationId xmlns:a16="http://schemas.microsoft.com/office/drawing/2014/main" id="{E6DB943B-C4E2-4566-B3DB-FEFDA086E6F7}"/>
-              </a:ext>
-            </a:extLst>
-          </p:cNvPr>
-          <p:cNvSpPr>
-            <a:spLocks noGrp="1"/>
-          </p:cNvSpPr>
-          <p:nvPr>
-            <p:ph idx="1"/>
-          </p:nvPr>
-        </p:nvSpPr>
-        <p:spPr/>
-        <p:txBody>
-          <a:bodyPr/>
-          <a:lstStyle/>
-          <a:p>
-            <a:r>
-              <a:rPr lang="en-US" dirty="0"/>
-              <a:t>Cost function – Error Function – Objective Function – Loss Function</a:t>
-            </a:r>
-          </a:p>
-          <a:p>
-            <a:endParaRPr lang="en-US" dirty="0"/>
-          </a:p>
-          <a:p>
-            <a:endParaRPr lang="en-US" dirty="0"/>
-          </a:p>
-          <a:p>
-            <a:r>
-              <a:rPr lang="en-US" dirty="0"/>
-              <a:t>This is the function that we try to minimize </a:t>
-            </a:r>
-          </a:p>
-          <a:p>
-            <a:endParaRPr lang="en-US" dirty="0"/>
-          </a:p>
-          <a:p>
-            <a:endParaRPr lang="en-US" dirty="0"/>
-          </a:p>
-          <a:p>
-            <a:r>
-              <a:rPr lang="en-US" dirty="0"/>
-              <a:t>It is a function of the MLP’s output and the target associated with a training sample</a:t>
-            </a:r>
-          </a:p>
-          <a:p>
-            <a:pPr marL="0" indent="0">
-              <a:buNone/>
-            </a:pPr>
-            <a:endParaRPr lang="en-US" dirty="0"/>
-          </a:p>
-        </p:txBody>
-      </p:sp>
-    </p:spTree>
-    <p:extLst>
-      <p:ext uri="{BB962C8B-B14F-4D97-AF65-F5344CB8AC3E}">
-        <p14:creationId xmlns:p14="http://schemas.microsoft.com/office/powerpoint/2010/main" val="569307540"/>
-      </p:ext>
-    </p:extLst>
-  </p:cSld>
-  <p:clrMapOvr>
-    <a:masterClrMapping/>
-  </p:clrMapOvr>
-</p:sld>
-</file>
-
-<file path=ppt/slides/slide9.xml><?xml version="1.0" encoding="utf-8"?>
-<p:sld xmlns:a="http://schemas.openxmlformats.org/drawingml/2006/main" xmlns:r="http://schemas.openxmlformats.org/officeDocument/2006/relationships" xmlns:p="http://schemas.openxmlformats.org/presentationml/2006/main">
-  <p:cSld>
-    <p:spTree>
-      <p:nvGrpSpPr>
-        <p:cNvPr id="1" name=""/>
-        <p:cNvGrpSpPr/>
-        <p:nvPr/>
-      </p:nvGrpSpPr>
-      <p:grpSpPr>
-        <a:xfrm>
-          <a:off x="0" y="0"/>
-          <a:ext cx="0" cy="0"/>
-          <a:chOff x="0" y="0"/>
-          <a:chExt cx="0" cy="0"/>
-        </a:xfrm>
-      </p:grpSpPr>
-      <p:sp>
-        <p:nvSpPr>
-          <p:cNvPr id="2" name="Title 1">
-            <a:extLst>
-              <a:ext uri="{FF2B5EF4-FFF2-40B4-BE49-F238E27FC236}">
-                <a16:creationId xmlns:a16="http://schemas.microsoft.com/office/drawing/2014/main" id="{BBF56CF3-DD88-4CF0-98FD-3689ED968762}"/>
-              </a:ext>
-            </a:extLst>
-          </p:cNvPr>
-          <p:cNvSpPr>
-            <a:spLocks noGrp="1"/>
-          </p:cNvSpPr>
-          <p:nvPr>
-            <p:ph type="title"/>
-          </p:nvPr>
-        </p:nvSpPr>
-        <p:spPr/>
-        <p:txBody>
-          <a:bodyPr/>
-          <a:lstStyle/>
-          <a:p>
-            <a:r>
-              <a:rPr lang="en-US" dirty="0"/>
-              <a:t>Computing the Cost Function</a:t>
-            </a:r>
-          </a:p>
-        </p:txBody>
-      </p:sp>
-      <mc:AlternateContent xmlns:mc="http://schemas.openxmlformats.org/markup-compatibility/2006" xmlns:a14="http://schemas.microsoft.com/office/drawing/2010/main">
-        <mc:Choice Requires="a14">
+              <a:t>For a “Trained Network”</a:t>
+            </a:r>
+          </a:p>
+        </p:txBody>
+      </p:sp>
+      <mc:AlternateContent xmlns:mc="http://schemas.openxmlformats.org/markup-compatibility/2006">
+        <mc:Choice xmlns:a14="http://schemas.microsoft.com/office/drawing/2010/main" Requires="a14">
           <p:sp>
             <p:nvSpPr>
               <p:cNvPr id="3" name="Content Placeholder 2">
                 <a:extLst>
                   <a:ext uri="{FF2B5EF4-FFF2-40B4-BE49-F238E27FC236}">
-                    <a16:creationId xmlns:a16="http://schemas.microsoft.com/office/drawing/2014/main" id="{88B61A11-E501-4A05-A7BD-ED5AE01793D5}"/>
+                    <a16:creationId xmlns:a16="http://schemas.microsoft.com/office/drawing/2014/main" id="{744D0E13-C3D1-4E6D-A162-A1B3961DBAAE}"/>
                   </a:ext>
                 </a:extLst>
               </p:cNvPr>
@@ -9199,7 +9630,15 @@
               <a:p>
                 <a:r>
                   <a:rPr lang="en-US" dirty="0"/>
-                  <a:t>The Network’s final layer (L-1) outputs a vector</a:t>
+                  <a:t>A trained network with </a:t>
+                </a:r>
+                <a:r>
+                  <a:rPr lang="en-US" i="1" dirty="0"/>
+                  <a:t>L</a:t>
+                </a:r>
+                <a:r>
+                  <a:rPr lang="en-US" dirty="0"/>
+                  <a:t> layers </a:t>
                 </a:r>
               </a:p>
               <a:p>
@@ -9208,73 +9647,319 @@
               <a:p>
                 <a:r>
                   <a:rPr lang="en-US" dirty="0"/>
-                  <a:t>For a </a:t>
+                  <a:t>A prediction is given by of </a:t>
                 </a:r>
                 <a:r>
                   <a:rPr lang="en-US" i="1" dirty="0"/>
-                  <a:t>k-bins classifier</a:t>
+                  <a:t>L-1</a:t>
                 </a:r>
                 <a:r>
                   <a:rPr lang="en-US" dirty="0"/>
-                  <a:t>, this vector is shaped:  </a:t>
+                  <a:t> matrix products</a:t>
                 </a:r>
-                <a14:m>
-                  <m:oMath xmlns:m="http://schemas.openxmlformats.org/officeDocument/2006/math">
-                    <m:r>
-                      <a:rPr lang="en-US" b="0" i="1" dirty="0" smtClean="0">
-                        <a:latin typeface="Cambria Math" panose="02040503050406030204" pitchFamily="18" charset="0"/>
-                      </a:rPr>
-                      <m:t>𝑘</m:t>
-                    </m:r>
-                    <m:r>
-                      <a:rPr lang="en-US" b="0" i="1" dirty="0" smtClean="0">
-                        <a:latin typeface="Cambria Math" panose="02040503050406030204" pitchFamily="18" charset="0"/>
-                      </a:rPr>
-                      <m:t>×1</m:t>
-                    </m:r>
-                  </m:oMath>
-                </a14:m>
+              </a:p>
+              <a:p>
                 <a:endParaRPr lang="en-US" dirty="0"/>
               </a:p>
               <a:p>
                 <a:endParaRPr lang="en-US" dirty="0"/>
               </a:p>
               <a:p>
+                <a:pPr marL="0" indent="0">
+                  <a:buNone/>
+                </a:pPr>
+                <a14:m>
+                  <m:oMathPara xmlns:m="http://schemas.openxmlformats.org/officeDocument/2006/math">
+                    <m:oMathParaPr>
+                      <m:jc m:val="centerGroup"/>
+                    </m:oMathParaPr>
+                    <m:oMath xmlns:m="http://schemas.openxmlformats.org/officeDocument/2006/math">
+                      <m:sSup>
+                        <m:sSupPr>
+                          <m:ctrlPr>
+                            <a:rPr lang="en-US" sz="3200" b="0" i="1" smtClean="0">
+                              <a:latin typeface="Cambria Math" panose="02040503050406030204" pitchFamily="18" charset="0"/>
+                            </a:rPr>
+                          </m:ctrlPr>
+                        </m:sSupPr>
+                        <m:e>
+                          <m:acc>
+                            <m:accPr>
+                              <m:chr m:val="⃑"/>
+                              <m:ctrlPr>
+                                <a:rPr lang="en-US" sz="3200" i="1" smtClean="0">
+                                  <a:latin typeface="Cambria Math" panose="02040503050406030204" pitchFamily="18" charset="0"/>
+                                </a:rPr>
+                              </m:ctrlPr>
+                            </m:accPr>
+                            <m:e>
+                              <m:r>
+                                <a:rPr lang="en-US" sz="3200" b="0" i="1" smtClean="0">
+                                  <a:latin typeface="Cambria Math" panose="02040503050406030204" pitchFamily="18" charset="0"/>
+                                </a:rPr>
+                                <m:t>𝑥</m:t>
+                              </m:r>
+                            </m:e>
+                          </m:acc>
+                        </m:e>
+                        <m:sup>
+                          <m:r>
+                            <a:rPr lang="en-US" sz="3200" b="0" i="1" smtClean="0">
+                              <a:latin typeface="Cambria Math" panose="02040503050406030204" pitchFamily="18" charset="0"/>
+                            </a:rPr>
+                            <m:t>(</m:t>
+                          </m:r>
+                          <m:r>
+                            <a:rPr lang="en-US" sz="3200" b="0" i="1" smtClean="0">
+                              <a:latin typeface="Cambria Math" panose="02040503050406030204" pitchFamily="18" charset="0"/>
+                            </a:rPr>
+                            <m:t>𝐿</m:t>
+                          </m:r>
+                          <m:r>
+                            <a:rPr lang="en-US" sz="3200" b="0" i="1" smtClean="0">
+                              <a:latin typeface="Cambria Math" panose="02040503050406030204" pitchFamily="18" charset="0"/>
+                            </a:rPr>
+                            <m:t>−1)</m:t>
+                          </m:r>
+                        </m:sup>
+                      </m:sSup>
+                      <m:r>
+                        <a:rPr lang="en-US" sz="3200" b="0" i="1" smtClean="0">
+                          <a:latin typeface="Cambria Math" panose="02040503050406030204" pitchFamily="18" charset="0"/>
+                        </a:rPr>
+                        <m:t>=</m:t>
+                      </m:r>
+                      <m:sSup>
+                        <m:sSupPr>
+                          <m:ctrlPr>
+                            <a:rPr lang="en-US" sz="3200" b="0" i="1" smtClean="0">
+                              <a:latin typeface="Cambria Math" panose="02040503050406030204" pitchFamily="18" charset="0"/>
+                            </a:rPr>
+                          </m:ctrlPr>
+                        </m:sSupPr>
+                        <m:e>
+                          <m:r>
+                            <a:rPr lang="en-US" sz="3200" b="0" i="1" smtClean="0">
+                              <a:latin typeface="Cambria Math" panose="02040503050406030204" pitchFamily="18" charset="0"/>
+                            </a:rPr>
+                            <m:t>𝑊</m:t>
+                          </m:r>
+                        </m:e>
+                        <m:sup>
+                          <m:r>
+                            <a:rPr lang="en-US" sz="3200" b="0" i="1" smtClean="0">
+                              <a:latin typeface="Cambria Math" panose="02040503050406030204" pitchFamily="18" charset="0"/>
+                            </a:rPr>
+                            <m:t>(</m:t>
+                          </m:r>
+                          <m:r>
+                            <a:rPr lang="en-US" sz="3200" b="0" i="1" smtClean="0">
+                              <a:latin typeface="Cambria Math" panose="02040503050406030204" pitchFamily="18" charset="0"/>
+                            </a:rPr>
+                            <m:t>𝐿</m:t>
+                          </m:r>
+                          <m:r>
+                            <a:rPr lang="en-US" sz="3200" b="0" i="1" smtClean="0">
+                              <a:latin typeface="Cambria Math" panose="02040503050406030204" pitchFamily="18" charset="0"/>
+                            </a:rPr>
+                            <m:t>−2)</m:t>
+                          </m:r>
+                        </m:sup>
+                      </m:sSup>
+                      <m:sSup>
+                        <m:sSupPr>
+                          <m:ctrlPr>
+                            <a:rPr lang="en-US" sz="3200" i="1">
+                              <a:latin typeface="Cambria Math" panose="02040503050406030204" pitchFamily="18" charset="0"/>
+                            </a:rPr>
+                          </m:ctrlPr>
+                        </m:sSupPr>
+                        <m:e>
+                          <m:r>
+                            <a:rPr lang="en-US" sz="3200" i="1">
+                              <a:latin typeface="Cambria Math" panose="02040503050406030204" pitchFamily="18" charset="0"/>
+                            </a:rPr>
+                            <m:t>𝑊</m:t>
+                          </m:r>
+                        </m:e>
+                        <m:sup>
+                          <m:r>
+                            <a:rPr lang="en-US" sz="3200" i="1">
+                              <a:latin typeface="Cambria Math" panose="02040503050406030204" pitchFamily="18" charset="0"/>
+                            </a:rPr>
+                            <m:t>(</m:t>
+                          </m:r>
+                          <m:r>
+                            <a:rPr lang="en-US" sz="3200" i="1">
+                              <a:latin typeface="Cambria Math" panose="02040503050406030204" pitchFamily="18" charset="0"/>
+                            </a:rPr>
+                            <m:t>𝐿</m:t>
+                          </m:r>
+                          <m:r>
+                            <a:rPr lang="en-US" sz="3200" i="1">
+                              <a:latin typeface="Cambria Math" panose="02040503050406030204" pitchFamily="18" charset="0"/>
+                            </a:rPr>
+                            <m:t>−3)</m:t>
+                          </m:r>
+                        </m:sup>
+                      </m:sSup>
+                      <m:r>
+                        <a:rPr lang="en-US" sz="3200" b="0" i="1" smtClean="0">
+                          <a:latin typeface="Cambria Math" panose="02040503050406030204" pitchFamily="18" charset="0"/>
+                        </a:rPr>
+                        <m:t>…</m:t>
+                      </m:r>
+                      <m:sSup>
+                        <m:sSupPr>
+                          <m:ctrlPr>
+                            <a:rPr lang="en-US" sz="3200" i="1">
+                              <a:latin typeface="Cambria Math" panose="02040503050406030204" pitchFamily="18" charset="0"/>
+                            </a:rPr>
+                          </m:ctrlPr>
+                        </m:sSupPr>
+                        <m:e>
+                          <m:r>
+                            <a:rPr lang="en-US" sz="3200" i="1">
+                              <a:latin typeface="Cambria Math" panose="02040503050406030204" pitchFamily="18" charset="0"/>
+                            </a:rPr>
+                            <m:t>𝑊</m:t>
+                          </m:r>
+                        </m:e>
+                        <m:sup>
+                          <m:d>
+                            <m:dPr>
+                              <m:ctrlPr>
+                                <a:rPr lang="en-US" sz="3200" b="0" i="1" smtClean="0">
+                                  <a:latin typeface="Cambria Math" panose="02040503050406030204" pitchFamily="18" charset="0"/>
+                                </a:rPr>
+                              </m:ctrlPr>
+                            </m:dPr>
+                            <m:e>
+                              <m:r>
+                                <a:rPr lang="en-US" sz="3200" b="0" i="1" smtClean="0">
+                                  <a:latin typeface="Cambria Math" panose="02040503050406030204" pitchFamily="18" charset="0"/>
+                                </a:rPr>
+                                <m:t>1</m:t>
+                              </m:r>
+                            </m:e>
+                          </m:d>
+                        </m:sup>
+                      </m:sSup>
+                      <m:sSup>
+                        <m:sSupPr>
+                          <m:ctrlPr>
+                            <a:rPr lang="en-US" sz="3200" i="1">
+                              <a:latin typeface="Cambria Math" panose="02040503050406030204" pitchFamily="18" charset="0"/>
+                            </a:rPr>
+                          </m:ctrlPr>
+                        </m:sSupPr>
+                        <m:e>
+                          <m:r>
+                            <a:rPr lang="en-US" sz="3200" i="1">
+                              <a:latin typeface="Cambria Math" panose="02040503050406030204" pitchFamily="18" charset="0"/>
+                            </a:rPr>
+                            <m:t>𝑊</m:t>
+                          </m:r>
+                        </m:e>
+                        <m:sup>
+                          <m:d>
+                            <m:dPr>
+                              <m:ctrlPr>
+                                <a:rPr lang="en-US" sz="3200" b="0" i="1" smtClean="0">
+                                  <a:latin typeface="Cambria Math" panose="02040503050406030204" pitchFamily="18" charset="0"/>
+                                </a:rPr>
+                              </m:ctrlPr>
+                            </m:dPr>
+                            <m:e>
+                              <m:r>
+                                <a:rPr lang="en-US" sz="3200" b="0" i="1" smtClean="0">
+                                  <a:latin typeface="Cambria Math" panose="02040503050406030204" pitchFamily="18" charset="0"/>
+                                </a:rPr>
+                                <m:t>0</m:t>
+                              </m:r>
+                            </m:e>
+                          </m:d>
+                        </m:sup>
+                      </m:sSup>
+                      <m:r>
+                        <a:rPr lang="en-US" sz="3200" b="0" i="1" smtClean="0">
+                          <a:latin typeface="Cambria Math" panose="02040503050406030204" pitchFamily="18" charset="0"/>
+                        </a:rPr>
+                        <m:t> </m:t>
+                      </m:r>
+                      <m:sSup>
+                        <m:sSupPr>
+                          <m:ctrlPr>
+                            <a:rPr lang="en-US" sz="3200" b="0" i="1" smtClean="0">
+                              <a:latin typeface="Cambria Math" panose="02040503050406030204" pitchFamily="18" charset="0"/>
+                            </a:rPr>
+                          </m:ctrlPr>
+                        </m:sSupPr>
+                        <m:e>
+                          <m:acc>
+                            <m:accPr>
+                              <m:chr m:val="⃑"/>
+                              <m:ctrlPr>
+                                <a:rPr lang="en-US" sz="3200" b="0" i="1" smtClean="0">
+                                  <a:latin typeface="Cambria Math" panose="02040503050406030204" pitchFamily="18" charset="0"/>
+                                </a:rPr>
+                              </m:ctrlPr>
+                            </m:accPr>
+                            <m:e>
+                              <m:r>
+                                <a:rPr lang="en-US" sz="3200" b="0" i="1" smtClean="0">
+                                  <a:latin typeface="Cambria Math" panose="02040503050406030204" pitchFamily="18" charset="0"/>
+                                </a:rPr>
+                                <m:t>𝑥</m:t>
+                              </m:r>
+                            </m:e>
+                          </m:acc>
+                        </m:e>
+                        <m:sup>
+                          <m:r>
+                            <a:rPr lang="en-US" sz="3200" b="0" i="1" smtClean="0">
+                              <a:latin typeface="Cambria Math" panose="02040503050406030204" pitchFamily="18" charset="0"/>
+                            </a:rPr>
+                            <m:t>(0)</m:t>
+                          </m:r>
+                        </m:sup>
+                      </m:sSup>
+                    </m:oMath>
+                  </m:oMathPara>
+                </a14:m>
+                <a:endParaRPr lang="en-US" dirty="0"/>
+              </a:p>
+              <a:p>
+                <a:pPr marL="0" indent="0">
+                  <a:buNone/>
+                </a:pPr>
+                <a:endParaRPr lang="en-US" dirty="0"/>
+              </a:p>
+              <a:p>
+                <a:pPr marL="0" indent="0">
+                  <a:buNone/>
+                </a:pPr>
+                <a:endParaRPr lang="en-US" dirty="0"/>
+              </a:p>
+              <a:p>
                 <a:r>
                   <a:rPr lang="en-US" dirty="0"/>
-                  <a:t>The target associated with the sample is also arranged into a </a:t>
+                  <a:t>Superscripts indicate a layer index</a:t>
                 </a:r>
-                <a14:m>
-                  <m:oMath xmlns:m="http://schemas.openxmlformats.org/officeDocument/2006/math">
-                    <m:r>
-                      <a:rPr lang="en-US" i="1" dirty="0">
-                        <a:latin typeface="Cambria Math" panose="02040503050406030204" pitchFamily="18" charset="0"/>
-                      </a:rPr>
-                      <m:t>𝑘</m:t>
-                    </m:r>
-                    <m:r>
-                      <a:rPr lang="en-US" i="1" dirty="0">
-                        <a:latin typeface="Cambria Math" panose="02040503050406030204" pitchFamily="18" charset="0"/>
-                      </a:rPr>
-                      <m:t>×1</m:t>
-                    </m:r>
-                  </m:oMath>
-                </a14:m>
-                <a:r>
-                  <a:rPr lang="en-US" dirty="0"/>
-                  <a:t> vector. </a:t>
-                </a:r>
+              </a:p>
+              <a:p>
+                <a:endParaRPr lang="en-US" dirty="0"/>
               </a:p>
             </p:txBody>
           </p:sp>
         </mc:Choice>
-        <mc:Fallback xmlns="">
+        <mc:Fallback>
           <p:sp>
             <p:nvSpPr>
               <p:cNvPr id="3" name="Content Placeholder 2">
                 <a:extLst>
                   <a:ext uri="{FF2B5EF4-FFF2-40B4-BE49-F238E27FC236}">
-                    <a16:creationId xmlns:a16="http://schemas.microsoft.com/office/drawing/2014/main" id="{88B61A11-E501-4A05-A7BD-ED5AE01793D5}"/>
+                    <a16:creationId xmlns:a16="http://schemas.microsoft.com/office/drawing/2014/main" id="{744D0E13-C3D1-4E6D-A162-A1B3961DBAAE}"/>
                   </a:ext>
                 </a:extLst>
               </p:cNvPr>
@@ -9311,7 +9996,531 @@
     </p:spTree>
     <p:extLst>
       <p:ext uri="{BB962C8B-B14F-4D97-AF65-F5344CB8AC3E}">
-        <p14:creationId xmlns:p14="http://schemas.microsoft.com/office/powerpoint/2010/main" val="2461934981"/>
+        <p14:creationId xmlns:p14="http://schemas.microsoft.com/office/powerpoint/2010/main" val="769549524"/>
+      </p:ext>
+    </p:extLst>
+  </p:cSld>
+  <p:clrMapOvr>
+    <a:masterClrMapping/>
+  </p:clrMapOvr>
+</p:sld>
+</file>
+
+<file path=ppt/slides/slide8.xml><?xml version="1.0" encoding="utf-8"?>
+<p:sld xmlns:a="http://schemas.openxmlformats.org/drawingml/2006/main" xmlns:r="http://schemas.openxmlformats.org/officeDocument/2006/relationships" xmlns:p="http://schemas.openxmlformats.org/presentationml/2006/main">
+  <p:cSld>
+    <p:bg>
+      <p:bgPr>
+        <a:solidFill>
+          <a:schemeClr val="bg1"/>
+        </a:solidFill>
+        <a:effectLst/>
+      </p:bgPr>
+    </p:bg>
+    <p:spTree>
+      <p:nvGrpSpPr>
+        <p:cNvPr id="1" name=""/>
+        <p:cNvGrpSpPr/>
+        <p:nvPr/>
+      </p:nvGrpSpPr>
+      <p:grpSpPr>
+        <a:xfrm>
+          <a:off x="0" y="0"/>
+          <a:ext cx="0" cy="0"/>
+          <a:chOff x="0" y="0"/>
+          <a:chExt cx="0" cy="0"/>
+        </a:xfrm>
+      </p:grpSpPr>
+      <p:sp>
+        <p:nvSpPr>
+          <p:cNvPr id="8" name="Rectangle 7">
+            <a:extLst>
+              <a:ext uri="{FF2B5EF4-FFF2-40B4-BE49-F238E27FC236}">
+                <a16:creationId xmlns:a16="http://schemas.microsoft.com/office/drawing/2014/main" id="{C162DF2A-64D1-4AA9-BA42-8A4063EADE09}"/>
+              </a:ext>
+              <a:ext uri="{C183D7F6-B498-43B3-948B-1728B52AA6E4}">
+                <adec:decorative xmlns:adec="http://schemas.microsoft.com/office/drawing/2017/decorative" val="1"/>
+              </a:ext>
+            </a:extLst>
+          </p:cNvPr>
+          <p:cNvSpPr>
+            <a:spLocks noGrp="1" noRot="1" noChangeAspect="1" noMove="1" noResize="1" noEditPoints="1" noAdjustHandles="1" noChangeArrowheads="1" noChangeShapeType="1" noTextEdit="1"/>
+          </p:cNvSpPr>
+          <p:nvPr>
+            <p:extLst>
+              <p:ext uri="{386F3935-93C4-4BCD-93E2-E3B085C9AB24}">
+                <p16:designElem xmlns:p16="http://schemas.microsoft.com/office/powerpoint/2015/main" val="1"/>
+              </p:ext>
+            </p:extLst>
+          </p:nvPr>
+        </p:nvSpPr>
+        <p:spPr>
+          <a:xfrm>
+            <a:off x="0" y="761999"/>
+            <a:ext cx="9141619" cy="5334001"/>
+          </a:xfrm>
+          <a:prstGeom prst="rect">
+            <a:avLst/>
+          </a:prstGeom>
+          <a:solidFill>
+            <a:schemeClr val="accent1"/>
+          </a:solidFill>
+          <a:ln>
+            <a:noFill/>
+          </a:ln>
+        </p:spPr>
+        <p:style>
+          <a:lnRef idx="2">
+            <a:schemeClr val="accent1">
+              <a:shade val="50000"/>
+            </a:schemeClr>
+          </a:lnRef>
+          <a:fillRef idx="1">
+            <a:schemeClr val="accent1"/>
+          </a:fillRef>
+          <a:effectRef idx="0">
+            <a:schemeClr val="accent1"/>
+          </a:effectRef>
+          <a:fontRef idx="minor">
+            <a:schemeClr val="lt1"/>
+          </a:fontRef>
+        </p:style>
+      </p:sp>
+      <p:sp>
+        <p:nvSpPr>
+          <p:cNvPr id="10" name="Rectangle 9">
+            <a:extLst>
+              <a:ext uri="{FF2B5EF4-FFF2-40B4-BE49-F238E27FC236}">
+                <a16:creationId xmlns:a16="http://schemas.microsoft.com/office/drawing/2014/main" id="{5D7C1373-63AF-4A75-909E-990E05356670}"/>
+              </a:ext>
+              <a:ext uri="{C183D7F6-B498-43B3-948B-1728B52AA6E4}">
+                <adec:decorative xmlns:adec="http://schemas.microsoft.com/office/drawing/2017/decorative" val="1"/>
+              </a:ext>
+            </a:extLst>
+          </p:cNvPr>
+          <p:cNvSpPr>
+            <a:spLocks noGrp="1" noRot="1" noChangeAspect="1" noMove="1" noResize="1" noEditPoints="1" noAdjustHandles="1" noChangeArrowheads="1" noChangeShapeType="1" noTextEdit="1"/>
+          </p:cNvSpPr>
+          <p:nvPr>
+            <p:extLst>
+              <p:ext uri="{386F3935-93C4-4BCD-93E2-E3B085C9AB24}">
+                <p16:designElem xmlns:p16="http://schemas.microsoft.com/office/powerpoint/2015/main" val="1"/>
+              </p:ext>
+            </p:extLst>
+          </p:nvPr>
+        </p:nvSpPr>
+        <p:spPr>
+          <a:xfrm>
+            <a:off x="9270263" y="761999"/>
+            <a:ext cx="2925318" cy="5334001"/>
+          </a:xfrm>
+          <a:prstGeom prst="rect">
+            <a:avLst/>
+          </a:prstGeom>
+          <a:solidFill>
+            <a:srgbClr val="C8C8C8">
+              <a:alpha val="49804"/>
+            </a:srgbClr>
+          </a:solidFill>
+          <a:ln>
+            <a:noFill/>
+          </a:ln>
+        </p:spPr>
+        <p:style>
+          <a:lnRef idx="2">
+            <a:schemeClr val="accent1">
+              <a:shade val="50000"/>
+            </a:schemeClr>
+          </a:lnRef>
+          <a:fillRef idx="1">
+            <a:schemeClr val="accent1"/>
+          </a:fillRef>
+          <a:effectRef idx="0">
+            <a:schemeClr val="accent1"/>
+          </a:effectRef>
+          <a:fontRef idx="minor">
+            <a:schemeClr val="lt1"/>
+          </a:fontRef>
+        </p:style>
+      </p:sp>
+      <p:sp useBgFill="1">
+        <p:nvSpPr>
+          <p:cNvPr id="12" name="Rectangle 11">
+            <a:extLst>
+              <a:ext uri="{FF2B5EF4-FFF2-40B4-BE49-F238E27FC236}">
+                <a16:creationId xmlns:a16="http://schemas.microsoft.com/office/drawing/2014/main" id="{827C386B-FBEE-434F-B519-2A935AF426D4}"/>
+              </a:ext>
+              <a:ext uri="{C183D7F6-B498-43B3-948B-1728B52AA6E4}">
+                <adec:decorative xmlns:adec="http://schemas.microsoft.com/office/drawing/2017/decorative" val="1"/>
+              </a:ext>
+            </a:extLst>
+          </p:cNvPr>
+          <p:cNvSpPr>
+            <a:spLocks noGrp="1" noRot="1" noChangeAspect="1" noMove="1" noResize="1" noEditPoints="1" noAdjustHandles="1" noChangeArrowheads="1" noChangeShapeType="1" noTextEdit="1"/>
+          </p:cNvSpPr>
+          <p:nvPr>
+            <p:extLst>
+              <p:ext uri="{386F3935-93C4-4BCD-93E2-E3B085C9AB24}">
+                <p16:designElem xmlns:p16="http://schemas.microsoft.com/office/powerpoint/2015/main" val="1"/>
+              </p:ext>
+            </p:extLst>
+          </p:nvPr>
+        </p:nvSpPr>
+        <p:spPr>
+          <a:xfrm>
+            <a:off x="0" y="0"/>
+            <a:ext cx="12192000" cy="6858000"/>
+          </a:xfrm>
+          <a:prstGeom prst="rect">
+            <a:avLst/>
+          </a:prstGeom>
+          <a:ln>
+            <a:noFill/>
+          </a:ln>
+        </p:spPr>
+        <p:style>
+          <a:lnRef idx="2">
+            <a:schemeClr val="accent1">
+              <a:shade val="50000"/>
+            </a:schemeClr>
+          </a:lnRef>
+          <a:fillRef idx="1">
+            <a:schemeClr val="accent1"/>
+          </a:fillRef>
+          <a:effectRef idx="0">
+            <a:schemeClr val="accent1"/>
+          </a:effectRef>
+          <a:fontRef idx="minor">
+            <a:schemeClr val="lt1"/>
+          </a:fontRef>
+        </p:style>
+        <p:txBody>
+          <a:bodyPr rtlCol="0" anchor="ctr"/>
+          <a:lstStyle/>
+          <a:p>
+            <a:pPr algn="ctr"/>
+            <a:endParaRPr lang="en-US" dirty="0"/>
+          </a:p>
+        </p:txBody>
+      </p:sp>
+      <p:sp>
+        <p:nvSpPr>
+          <p:cNvPr id="2" name="Title 1">
+            <a:extLst>
+              <a:ext uri="{FF2B5EF4-FFF2-40B4-BE49-F238E27FC236}">
+                <a16:creationId xmlns:a16="http://schemas.microsoft.com/office/drawing/2014/main" id="{C3DB2275-348B-4D26-B528-EA094A4AA1B5}"/>
+              </a:ext>
+            </a:extLst>
+          </p:cNvPr>
+          <p:cNvSpPr>
+            <a:spLocks noGrp="1"/>
+          </p:cNvSpPr>
+          <p:nvPr>
+            <p:ph type="title"/>
+          </p:nvPr>
+        </p:nvSpPr>
+        <p:spPr>
+          <a:xfrm>
+            <a:off x="1516351" y="772833"/>
+            <a:ext cx="6597678" cy="3840384"/>
+          </a:xfrm>
+        </p:spPr>
+        <p:txBody>
+          <a:bodyPr vert="horz" lIns="91440" tIns="45720" rIns="91440" bIns="45720" rtlCol="0" anchor="b">
+            <a:normAutofit/>
+          </a:bodyPr>
+          <a:lstStyle/>
+          <a:p>
+            <a:r>
+              <a:rPr lang="en-US" sz="6000">
+                <a:solidFill>
+                  <a:schemeClr val="tx1"/>
+                </a:solidFill>
+              </a:rPr>
+              <a:t>The Cost Function</a:t>
+            </a:r>
+          </a:p>
+        </p:txBody>
+      </p:sp>
+      <p:sp>
+        <p:nvSpPr>
+          <p:cNvPr id="3" name="Text Placeholder 2">
+            <a:extLst>
+              <a:ext uri="{FF2B5EF4-FFF2-40B4-BE49-F238E27FC236}">
+                <a16:creationId xmlns:a16="http://schemas.microsoft.com/office/drawing/2014/main" id="{F8AEEDCA-0C4A-4B22-9C50-638F8FCCD741}"/>
+              </a:ext>
+            </a:extLst>
+          </p:cNvPr>
+          <p:cNvSpPr>
+            <a:spLocks noGrp="1"/>
+          </p:cNvSpPr>
+          <p:nvPr>
+            <p:ph type="body" idx="1"/>
+          </p:nvPr>
+        </p:nvSpPr>
+        <p:spPr>
+          <a:xfrm>
+            <a:off x="1524009" y="4613218"/>
+            <a:ext cx="6590020" cy="1490566"/>
+          </a:xfrm>
+        </p:spPr>
+        <p:txBody>
+          <a:bodyPr vert="horz" lIns="91440" tIns="45720" rIns="91440" bIns="45720" rtlCol="0" anchor="t">
+            <a:normAutofit/>
+          </a:bodyPr>
+          <a:lstStyle/>
+          <a:p>
+            <a:r>
+              <a:rPr lang="en-US" sz="3200">
+                <a:solidFill>
+                  <a:schemeClr val="accent1"/>
+                </a:solidFill>
+              </a:rPr>
+              <a:t>The function to minimize </a:t>
+            </a:r>
+          </a:p>
+        </p:txBody>
+      </p:sp>
+      <p:sp>
+        <p:nvSpPr>
+          <p:cNvPr id="14" name="Rectangle 13">
+            <a:extLst>
+              <a:ext uri="{FF2B5EF4-FFF2-40B4-BE49-F238E27FC236}">
+                <a16:creationId xmlns:a16="http://schemas.microsoft.com/office/drawing/2014/main" id="{66085C62-ADF2-4CC0-B14D-F4B678F1165B}"/>
+              </a:ext>
+              <a:ext uri="{C183D7F6-B498-43B3-948B-1728B52AA6E4}">
+                <adec:decorative xmlns:adec="http://schemas.microsoft.com/office/drawing/2017/decorative" val="1"/>
+              </a:ext>
+            </a:extLst>
+          </p:cNvPr>
+          <p:cNvSpPr>
+            <a:spLocks noGrp="1" noRot="1" noChangeAspect="1" noMove="1" noResize="1" noEditPoints="1" noAdjustHandles="1" noChangeArrowheads="1" noChangeShapeType="1" noTextEdit="1"/>
+          </p:cNvSpPr>
+          <p:nvPr>
+            <p:extLst>
+              <p:ext uri="{386F3935-93C4-4BCD-93E2-E3B085C9AB24}">
+                <p16:designElem xmlns:p16="http://schemas.microsoft.com/office/powerpoint/2015/main" val="1"/>
+              </p:ext>
+            </p:extLst>
+          </p:nvPr>
+        </p:nvSpPr>
+        <p:spPr>
+          <a:xfrm>
+            <a:off x="0" y="772832"/>
+            <a:ext cx="1194619" cy="5330952"/>
+          </a:xfrm>
+          <a:prstGeom prst="rect">
+            <a:avLst/>
+          </a:prstGeom>
+          <a:solidFill>
+            <a:schemeClr val="accent1"/>
+          </a:solidFill>
+          <a:ln>
+            <a:noFill/>
+          </a:ln>
+        </p:spPr>
+        <p:style>
+          <a:lnRef idx="2">
+            <a:schemeClr val="accent1">
+              <a:shade val="50000"/>
+            </a:schemeClr>
+          </a:lnRef>
+          <a:fillRef idx="1">
+            <a:schemeClr val="accent1"/>
+          </a:fillRef>
+          <a:effectRef idx="0">
+            <a:schemeClr val="accent1"/>
+          </a:effectRef>
+          <a:fontRef idx="minor">
+            <a:schemeClr val="lt1"/>
+          </a:fontRef>
+        </p:style>
+      </p:sp>
+      <p:sp>
+        <p:nvSpPr>
+          <p:cNvPr id="16" name="Rectangle 15">
+            <a:extLst>
+              <a:ext uri="{FF2B5EF4-FFF2-40B4-BE49-F238E27FC236}">
+                <a16:creationId xmlns:a16="http://schemas.microsoft.com/office/drawing/2014/main" id="{034EF5D1-2322-4C79-BA38-EDD477732AC7}"/>
+              </a:ext>
+              <a:ext uri="{C183D7F6-B498-43B3-948B-1728B52AA6E4}">
+                <adec:decorative xmlns:adec="http://schemas.microsoft.com/office/drawing/2017/decorative" val="1"/>
+              </a:ext>
+            </a:extLst>
+          </p:cNvPr>
+          <p:cNvSpPr>
+            <a:spLocks noGrp="1" noRot="1" noChangeAspect="1" noMove="1" noResize="1" noEditPoints="1" noAdjustHandles="1" noChangeArrowheads="1" noChangeShapeType="1" noTextEdit="1"/>
+          </p:cNvSpPr>
+          <p:nvPr>
+            <p:extLst>
+              <p:ext uri="{386F3935-93C4-4BCD-93E2-E3B085C9AB24}">
+                <p16:designElem xmlns:p16="http://schemas.microsoft.com/office/powerpoint/2015/main" val="1"/>
+              </p:ext>
+            </p:extLst>
+          </p:nvPr>
+        </p:nvSpPr>
+        <p:spPr>
+          <a:xfrm>
+            <a:off x="9416784" y="758952"/>
+            <a:ext cx="2783126" cy="5330952"/>
+          </a:xfrm>
+          <a:prstGeom prst="rect">
+            <a:avLst/>
+          </a:prstGeom>
+          <a:solidFill>
+            <a:srgbClr val="C8C8C8">
+              <a:alpha val="49804"/>
+            </a:srgbClr>
+          </a:solidFill>
+          <a:ln>
+            <a:noFill/>
+          </a:ln>
+        </p:spPr>
+        <p:style>
+          <a:lnRef idx="2">
+            <a:schemeClr val="accent1">
+              <a:shade val="50000"/>
+            </a:schemeClr>
+          </a:lnRef>
+          <a:fillRef idx="1">
+            <a:schemeClr val="accent1"/>
+          </a:fillRef>
+          <a:effectRef idx="0">
+            <a:schemeClr val="accent1"/>
+          </a:effectRef>
+          <a:fontRef idx="minor">
+            <a:schemeClr val="lt1"/>
+          </a:fontRef>
+        </p:style>
+      </p:sp>
+    </p:spTree>
+    <p:extLst>
+      <p:ext uri="{BB962C8B-B14F-4D97-AF65-F5344CB8AC3E}">
+        <p14:creationId xmlns:p14="http://schemas.microsoft.com/office/powerpoint/2010/main" val="553704631"/>
+      </p:ext>
+    </p:extLst>
+  </p:cSld>
+  <p:clrMapOvr>
+    <a:masterClrMapping/>
+  </p:clrMapOvr>
+</p:sld>
+</file>
+
+<file path=ppt/slides/slide9.xml><?xml version="1.0" encoding="utf-8"?>
+<p:sld xmlns:a="http://schemas.openxmlformats.org/drawingml/2006/main" xmlns:r="http://schemas.openxmlformats.org/officeDocument/2006/relationships" xmlns:p="http://schemas.openxmlformats.org/presentationml/2006/main">
+  <p:cSld>
+    <p:spTree>
+      <p:nvGrpSpPr>
+        <p:cNvPr id="1" name=""/>
+        <p:cNvGrpSpPr/>
+        <p:nvPr/>
+      </p:nvGrpSpPr>
+      <p:grpSpPr>
+        <a:xfrm>
+          <a:off x="0" y="0"/>
+          <a:ext cx="0" cy="0"/>
+          <a:chOff x="0" y="0"/>
+          <a:chExt cx="0" cy="0"/>
+        </a:xfrm>
+      </p:grpSpPr>
+      <p:sp>
+        <p:nvSpPr>
+          <p:cNvPr id="2" name="Title 1">
+            <a:extLst>
+              <a:ext uri="{FF2B5EF4-FFF2-40B4-BE49-F238E27FC236}">
+                <a16:creationId xmlns:a16="http://schemas.microsoft.com/office/drawing/2014/main" id="{C8E40DC7-204A-40A2-828F-EADF87F44729}"/>
+              </a:ext>
+            </a:extLst>
+          </p:cNvPr>
+          <p:cNvSpPr>
+            <a:spLocks noGrp="1"/>
+          </p:cNvSpPr>
+          <p:nvPr>
+            <p:ph type="title"/>
+          </p:nvPr>
+        </p:nvSpPr>
+        <p:spPr/>
+        <p:txBody>
+          <a:bodyPr/>
+          <a:lstStyle/>
+          <a:p>
+            <a:r>
+              <a:rPr lang="en-US" dirty="0"/>
+              <a:t>Nature of the Function</a:t>
+            </a:r>
+          </a:p>
+        </p:txBody>
+      </p:sp>
+      <p:sp>
+        <p:nvSpPr>
+          <p:cNvPr id="3" name="Content Placeholder 2">
+            <a:extLst>
+              <a:ext uri="{FF2B5EF4-FFF2-40B4-BE49-F238E27FC236}">
+                <a16:creationId xmlns:a16="http://schemas.microsoft.com/office/drawing/2014/main" id="{E6DB943B-C4E2-4566-B3DB-FEFDA086E6F7}"/>
+              </a:ext>
+            </a:extLst>
+          </p:cNvPr>
+          <p:cNvSpPr>
+            <a:spLocks noGrp="1"/>
+          </p:cNvSpPr>
+          <p:nvPr>
+            <p:ph idx="1"/>
+          </p:nvPr>
+        </p:nvSpPr>
+        <p:spPr/>
+        <p:txBody>
+          <a:bodyPr/>
+          <a:lstStyle/>
+          <a:p>
+            <a:r>
+              <a:rPr lang="en-US" dirty="0"/>
+              <a:t>Cost function – Error Function – Objective Function – Loss Function (James)</a:t>
+            </a:r>
+          </a:p>
+          <a:p>
+            <a:endParaRPr lang="en-US" dirty="0"/>
+          </a:p>
+          <a:p>
+            <a:endParaRPr lang="en-US" dirty="0"/>
+          </a:p>
+          <a:p>
+            <a:r>
+              <a:rPr lang="en-US" dirty="0"/>
+              <a:t>This is the function that we try to minimize </a:t>
+            </a:r>
+          </a:p>
+          <a:p>
+            <a:endParaRPr lang="en-US" dirty="0"/>
+          </a:p>
+          <a:p>
+            <a:endParaRPr lang="en-US" dirty="0"/>
+          </a:p>
+          <a:p>
+            <a:r>
+              <a:rPr lang="en-US" dirty="0"/>
+              <a:t>Determined by MLP’s output and the target associated with a training sample (</a:t>
+            </a:r>
+            <a:r>
+              <a:rPr lang="en-US" dirty="0" err="1"/>
+              <a:t>Geron</a:t>
+            </a:r>
+            <a:r>
+              <a:rPr lang="en-US" dirty="0"/>
+              <a:t>)</a:t>
+            </a:r>
+          </a:p>
+          <a:p>
+            <a:pPr marL="0" indent="0">
+              <a:buNone/>
+            </a:pPr>
+            <a:endParaRPr lang="en-US" dirty="0"/>
+          </a:p>
+        </p:txBody>
+      </p:sp>
+    </p:spTree>
+    <p:extLst>
+      <p:ext uri="{BB962C8B-B14F-4D97-AF65-F5344CB8AC3E}">
+        <p14:creationId xmlns:p14="http://schemas.microsoft.com/office/powerpoint/2010/main" val="569307540"/>
       </p:ext>
     </p:extLst>
   </p:cSld>

--- a/Presentations/11_03_2020/Training a Multilayer Perceptron with Stochastic Gradient Descent.pptx
+++ b/Presentations/11_03_2020/Training a Multilayer Perceptron with Stochastic Gradient Descent.pptx
@@ -10216,8 +10216,8 @@
           </a:p>
         </p:txBody>
       </p:sp>
-      <mc:AlternateContent xmlns:mc="http://schemas.openxmlformats.org/markup-compatibility/2006">
-        <mc:Choice xmlns:a14="http://schemas.microsoft.com/office/drawing/2010/main" Requires="a14">
+      <mc:AlternateContent xmlns:mc="http://schemas.openxmlformats.org/markup-compatibility/2006" xmlns:a14="http://schemas.microsoft.com/office/drawing/2010/main">
+        <mc:Choice Requires="a14">
           <p:sp>
             <p:nvSpPr>
               <p:cNvPr id="3" name="Content Placeholder 2">
@@ -10408,7 +10408,7 @@
             </p:txBody>
           </p:sp>
         </mc:Choice>
-        <mc:Fallback>
+        <mc:Fallback xmlns="">
           <p:sp>
             <p:nvSpPr>
               <p:cNvPr id="3" name="Content Placeholder 2">
@@ -12460,7 +12460,7 @@
           <a:p>
             <a:r>
               <a:rPr lang="en-US" dirty="0"/>
-              <a:t>The Cost function is the function of the MLP output and the target vector </a:t>
+              <a:t>The Cost function is based on the MLP output and the target vector </a:t>
             </a:r>
           </a:p>
           <a:p>
@@ -12988,8 +12988,8 @@
           </a:p>
         </p:txBody>
       </p:sp>
-      <mc:AlternateContent xmlns:mc="http://schemas.openxmlformats.org/markup-compatibility/2006">
-        <mc:Choice xmlns:a14="http://schemas.microsoft.com/office/drawing/2010/main" Requires="a14">
+      <mc:AlternateContent xmlns:mc="http://schemas.openxmlformats.org/markup-compatibility/2006" xmlns:a14="http://schemas.microsoft.com/office/drawing/2010/main">
+        <mc:Choice Requires="a14">
           <p:sp>
             <p:nvSpPr>
               <p:cNvPr id="3" name="Content Placeholder 2">
@@ -13159,7 +13159,7 @@
             </p:txBody>
           </p:sp>
         </mc:Choice>
-        <mc:Fallback>
+        <mc:Fallback xmlns="">
           <p:sp>
             <p:nvSpPr>
               <p:cNvPr id="3" name="Content Placeholder 2">
@@ -13551,10 +13551,13 @@
                         </m:accPr>
                         <m:e>
                           <m:r>
-                            <a:rPr lang="en-US" sz="2400" b="0" i="1" smtClean="0">
+                            <m:rPr>
+                              <m:sty m:val="p"/>
+                            </m:rPr>
+                            <a:rPr lang="en-US" sz="2400" b="0" i="0" smtClean="0">
                               <a:latin typeface="Cambria Math" panose="02040503050406030204" pitchFamily="18" charset="0"/>
                             </a:rPr>
-                            <m:t>𝛿</m:t>
+                            <m:t>Δ</m:t>
                           </m:r>
                         </m:e>
                       </m:acc>
@@ -13755,8 +13758,8 @@
           </a:p>
         </p:txBody>
       </p:sp>
-      <mc:AlternateContent xmlns:mc="http://schemas.openxmlformats.org/markup-compatibility/2006">
-        <mc:Choice xmlns:a14="http://schemas.microsoft.com/office/drawing/2010/main" Requires="a14">
+      <mc:AlternateContent xmlns:mc="http://schemas.openxmlformats.org/markup-compatibility/2006" xmlns:a14="http://schemas.microsoft.com/office/drawing/2010/main">
+        <mc:Choice Requires="a14">
           <p:sp>
             <p:nvSpPr>
               <p:cNvPr id="3" name="Content Placeholder 2">
@@ -14195,7 +14198,7 @@
             </p:txBody>
           </p:sp>
         </mc:Choice>
-        <mc:Fallback>
+        <mc:Fallback xmlns="">
           <p:sp>
             <p:nvSpPr>
               <p:cNvPr id="3" name="Content Placeholder 2">
@@ -17765,8 +17768,8 @@
           </a:p>
         </p:txBody>
       </p:sp>
-      <mc:AlternateContent xmlns:mc="http://schemas.openxmlformats.org/markup-compatibility/2006">
-        <mc:Choice xmlns:a14="http://schemas.microsoft.com/office/drawing/2010/main" Requires="a14">
+      <mc:AlternateContent xmlns:mc="http://schemas.openxmlformats.org/markup-compatibility/2006" xmlns:a14="http://schemas.microsoft.com/office/drawing/2010/main">
+        <mc:Choice Requires="a14">
           <p:sp>
             <p:nvSpPr>
               <p:cNvPr id="3" name="Content Placeholder 2">
@@ -18021,7 +18024,7 @@
             </p:txBody>
           </p:sp>
         </mc:Choice>
-        <mc:Fallback>
+        <mc:Fallback xmlns="">
           <p:sp>
             <p:nvSpPr>
               <p:cNvPr id="3" name="Content Placeholder 2">
@@ -19792,8 +19795,8 @@
           </a:p>
         </p:txBody>
       </p:sp>
-      <mc:AlternateContent xmlns:mc="http://schemas.openxmlformats.org/markup-compatibility/2006">
-        <mc:Choice xmlns:a14="http://schemas.microsoft.com/office/drawing/2010/main" Requires="a14">
+      <mc:AlternateContent xmlns:mc="http://schemas.openxmlformats.org/markup-compatibility/2006" xmlns:a14="http://schemas.microsoft.com/office/drawing/2010/main">
+        <mc:Choice Requires="a14">
           <p:sp>
             <p:nvSpPr>
               <p:cNvPr id="3" name="Content Placeholder 2">
@@ -20296,7 +20299,7 @@
             </p:txBody>
           </p:sp>
         </mc:Choice>
-        <mc:Fallback>
+        <mc:Fallback xmlns="">
           <p:sp>
             <p:nvSpPr>
               <p:cNvPr id="3" name="Content Placeholder 2">
